--- a/materials/graphicspptx.pptx
+++ b/materials/graphicspptx.pptx
@@ -9,6 +9,7 @@
     <p:sldId id="257" r:id="rId3"/>
     <p:sldId id="258" r:id="rId4"/>
     <p:sldId id="259" r:id="rId5"/>
+    <p:sldId id="260" r:id="rId6"/>
   </p:sldIdLst>
   <p:sldSz cx="12192000" cy="6858000"/>
   <p:notesSz cx="6858000" cy="9144000"/>
@@ -107,6 +108,11 @@
       </a:defRPr>
     </a:lvl9pPr>
   </p:defaultTextStyle>
+  <p:extLst>
+    <p:ext uri="{EFAFB233-063F-42B5-8137-9DF3F51BA10A}">
+      <p15:sldGuideLst xmlns:p15="http://schemas.microsoft.com/office/powerpoint/2012/main"/>
+    </p:ext>
+  </p:extLst>
 </p:presentation>
 </file>
 
@@ -261,7 +267,7 @@
           <a:p>
             <a:fld id="{1ECB5883-038C-4696-8E27-1811E470D6D4}" type="datetime1">
               <a:rPr lang="en-US" smtClean="0"/>
-              <a:t>9/11/24</a:t>
+              <a:t>9/26/24</a:t>
             </a:fld>
             <a:endParaRPr lang="en-US"/>
           </a:p>
@@ -462,7 +468,7 @@
           <a:p>
             <a:fld id="{61E8A6D4-154B-4E4D-9001-7A6C328D243E}" type="datetime1">
               <a:rPr lang="en-US" smtClean="0"/>
-              <a:t>9/11/24</a:t>
+              <a:t>9/26/24</a:t>
             </a:fld>
             <a:endParaRPr lang="en-US"/>
           </a:p>
@@ -673,7 +679,7 @@
           <a:p>
             <a:fld id="{EF880999-9BD6-4929-BDEC-B84E21C16701}" type="datetime1">
               <a:rPr lang="en-US" smtClean="0"/>
-              <a:t>9/11/24</a:t>
+              <a:t>9/26/24</a:t>
             </a:fld>
             <a:endParaRPr lang="en-US"/>
           </a:p>
@@ -874,7 +880,7 @@
           <a:p>
             <a:fld id="{579F6069-8263-4296-913A-BC2234E8D32B}" type="datetime1">
               <a:rPr lang="en-US" smtClean="0"/>
-              <a:t>9/11/24</a:t>
+              <a:t>9/26/24</a:t>
             </a:fld>
             <a:endParaRPr lang="en-US"/>
           </a:p>
@@ -1154,7 +1160,7 @@
           <a:p>
             <a:fld id="{BC9F5005-EC25-4FB9-B19B-2437F0B120D2}" type="datetime1">
               <a:rPr lang="en-US" smtClean="0"/>
-              <a:t>9/11/24</a:t>
+              <a:t>9/26/24</a:t>
             </a:fld>
             <a:endParaRPr lang="en-US"/>
           </a:p>
@@ -1422,7 +1428,7 @@
           <a:p>
             <a:fld id="{0B283B5C-2325-42FF-AF91-C1451D9D66CC}" type="datetime1">
               <a:rPr lang="en-US" smtClean="0"/>
-              <a:t>9/11/24</a:t>
+              <a:t>9/26/24</a:t>
             </a:fld>
             <a:endParaRPr lang="en-US"/>
           </a:p>
@@ -1841,7 +1847,7 @@
           <a:p>
             <a:fld id="{0F88DB08-3B01-46DD-99F2-F6F6334EA669}" type="datetime1">
               <a:rPr lang="en-US" smtClean="0"/>
-              <a:t>9/11/24</a:t>
+              <a:t>9/26/24</a:t>
             </a:fld>
             <a:endParaRPr lang="en-US"/>
           </a:p>
@@ -1985,7 +1991,7 @@
           <a:p>
             <a:fld id="{5892AC11-ACC3-4129-BBD7-C580BF1A4EE7}" type="datetime1">
               <a:rPr lang="en-US" smtClean="0"/>
-              <a:t>9/11/24</a:t>
+              <a:t>9/26/24</a:t>
             </a:fld>
             <a:endParaRPr lang="en-US"/>
           </a:p>
@@ -2101,7 +2107,7 @@
           <a:p>
             <a:fld id="{6D80F7F3-E406-44E2-93AF-674B3F1A2E51}" type="datetime1">
               <a:rPr lang="en-US" smtClean="0"/>
-              <a:t>9/11/24</a:t>
+              <a:t>9/26/24</a:t>
             </a:fld>
             <a:endParaRPr lang="en-US"/>
           </a:p>
@@ -2419,7 +2425,7 @@
           <a:p>
             <a:fld id="{2FB1DD93-7C9D-4E53-81F0-DDE57FEA7EDB}" type="datetime1">
               <a:rPr lang="en-US" smtClean="0"/>
-              <a:t>9/11/24</a:t>
+              <a:t>9/26/24</a:t>
             </a:fld>
             <a:endParaRPr lang="en-US"/>
           </a:p>
@@ -2712,7 +2718,7 @@
           <a:p>
             <a:fld id="{3DF7BC28-59DE-4F83-B4A1-497203279FAD}" type="datetime1">
               <a:rPr lang="en-US" smtClean="0"/>
-              <a:t>9/11/24</a:t>
+              <a:t>9/26/24</a:t>
             </a:fld>
             <a:endParaRPr lang="en-US"/>
           </a:p>
@@ -3012,7 +3018,7 @@
           <a:p>
             <a:fld id="{0BDC4764-F656-4735-9820-9886F8DF1D6A}" type="datetime1">
               <a:rPr lang="en-US" smtClean="0"/>
-              <a:t>9/11/24</a:t>
+              <a:t>9/26/24</a:t>
             </a:fld>
             <a:endParaRPr lang="en-US" dirty="0"/>
           </a:p>
@@ -3697,7 +3703,7 @@
           <a:p>
             <a:fld id="{579F6069-8263-4296-913A-BC2234E8D32B}" type="datetime1">
               <a:rPr lang="en-US" smtClean="0"/>
-              <a:t>9/11/24</a:t>
+              <a:t>9/26/24</a:t>
             </a:fld>
             <a:endParaRPr lang="en-US"/>
           </a:p>
@@ -6417,6 +6423,1284 @@
     <p:extLst>
       <p:ext uri="{BB962C8B-B14F-4D97-AF65-F5344CB8AC3E}">
         <p14:creationId xmlns:p14="http://schemas.microsoft.com/office/powerpoint/2010/main" val="3039271150"/>
+      </p:ext>
+    </p:extLst>
+  </p:cSld>
+  <p:clrMapOvr>
+    <a:masterClrMapping/>
+  </p:clrMapOvr>
+</p:sld>
+</file>
+
+<file path=ppt/slides/slide5.xml><?xml version="1.0" encoding="utf-8"?>
+<p:sld xmlns:a="http://schemas.openxmlformats.org/drawingml/2006/main" xmlns:r="http://schemas.openxmlformats.org/officeDocument/2006/relationships" xmlns:p="http://schemas.openxmlformats.org/presentationml/2006/main">
+  <p:cSld>
+    <p:spTree>
+      <p:nvGrpSpPr>
+        <p:cNvPr id="1" name=""/>
+        <p:cNvGrpSpPr/>
+        <p:nvPr/>
+      </p:nvGrpSpPr>
+      <p:grpSpPr>
+        <a:xfrm>
+          <a:off x="0" y="0"/>
+          <a:ext cx="0" cy="0"/>
+          <a:chOff x="0" y="0"/>
+          <a:chExt cx="0" cy="0"/>
+        </a:xfrm>
+      </p:grpSpPr>
+      <p:sp>
+        <p:nvSpPr>
+          <p:cNvPr id="4" name="Date Placeholder 3">
+            <a:extLst>
+              <a:ext uri="{FF2B5EF4-FFF2-40B4-BE49-F238E27FC236}">
+                <a16:creationId xmlns:a16="http://schemas.microsoft.com/office/drawing/2014/main" id="{C62BF282-9D43-9296-2CB2-DE6FBAB5A8C4}"/>
+              </a:ext>
+            </a:extLst>
+          </p:cNvPr>
+          <p:cNvSpPr>
+            <a:spLocks noGrp="1"/>
+          </p:cNvSpPr>
+          <p:nvPr>
+            <p:ph type="dt" sz="half" idx="10"/>
+          </p:nvPr>
+        </p:nvSpPr>
+        <p:spPr/>
+        <p:txBody>
+          <a:bodyPr/>
+          <a:lstStyle/>
+          <a:p>
+            <a:fld id="{579F6069-8263-4296-913A-BC2234E8D32B}" type="datetime1">
+              <a:rPr lang="en-US" smtClean="0"/>
+              <a:t>9/26/24</a:t>
+            </a:fld>
+            <a:endParaRPr lang="en-US"/>
+          </a:p>
+        </p:txBody>
+      </p:sp>
+      <p:sp>
+        <p:nvSpPr>
+          <p:cNvPr id="5" name="Footer Placeholder 4">
+            <a:extLst>
+              <a:ext uri="{FF2B5EF4-FFF2-40B4-BE49-F238E27FC236}">
+                <a16:creationId xmlns:a16="http://schemas.microsoft.com/office/drawing/2014/main" id="{967F2970-1428-5E16-5B0A-AB8DB17C90C5}"/>
+              </a:ext>
+            </a:extLst>
+          </p:cNvPr>
+          <p:cNvSpPr>
+            <a:spLocks noGrp="1"/>
+          </p:cNvSpPr>
+          <p:nvPr>
+            <p:ph type="ftr" sz="quarter" idx="11"/>
+          </p:nvPr>
+        </p:nvSpPr>
+        <p:spPr/>
+        <p:txBody>
+          <a:bodyPr/>
+          <a:lstStyle/>
+          <a:p>
+            <a:r>
+              <a:rPr lang="en-US" dirty="0"/>
+              <a:t>Sample Footer Text</a:t>
+            </a:r>
+          </a:p>
+        </p:txBody>
+      </p:sp>
+      <p:sp>
+        <p:nvSpPr>
+          <p:cNvPr id="6" name="Slide Number Placeholder 5">
+            <a:extLst>
+              <a:ext uri="{FF2B5EF4-FFF2-40B4-BE49-F238E27FC236}">
+                <a16:creationId xmlns:a16="http://schemas.microsoft.com/office/drawing/2014/main" id="{D8C6BA75-FBC5-6552-69BB-8C2F4D692398}"/>
+              </a:ext>
+            </a:extLst>
+          </p:cNvPr>
+          <p:cNvSpPr>
+            <a:spLocks noGrp="1"/>
+          </p:cNvSpPr>
+          <p:nvPr>
+            <p:ph type="sldNum" sz="quarter" idx="12"/>
+          </p:nvPr>
+        </p:nvSpPr>
+        <p:spPr/>
+        <p:txBody>
+          <a:bodyPr/>
+          <a:lstStyle/>
+          <a:p>
+            <a:fld id="{C68AC1EC-23E2-4F0E-A5A4-674EC8DB954E}" type="slidenum">
+              <a:rPr lang="en-US" smtClean="0"/>
+              <a:t>5</a:t>
+            </a:fld>
+            <a:endParaRPr lang="en-US"/>
+          </a:p>
+        </p:txBody>
+      </p:sp>
+      <p:sp>
+        <p:nvSpPr>
+          <p:cNvPr id="7" name="Rectangle 6">
+            <a:extLst>
+              <a:ext uri="{FF2B5EF4-FFF2-40B4-BE49-F238E27FC236}">
+                <a16:creationId xmlns:a16="http://schemas.microsoft.com/office/drawing/2014/main" id="{E285CDEC-F98B-38AE-0C35-002933F1A636}"/>
+              </a:ext>
+            </a:extLst>
+          </p:cNvPr>
+          <p:cNvSpPr/>
+          <p:nvPr/>
+        </p:nvSpPr>
+        <p:spPr>
+          <a:xfrm>
+            <a:off x="1355103" y="1081506"/>
+            <a:ext cx="2607276" cy="4541528"/>
+          </a:xfrm>
+          <a:prstGeom prst="rect">
+            <a:avLst/>
+          </a:prstGeom>
+          <a:solidFill>
+            <a:schemeClr val="bg2">
+              <a:lumMod val="75000"/>
+              <a:alpha val="50000"/>
+            </a:schemeClr>
+          </a:solidFill>
+          <a:ln>
+            <a:noFill/>
+          </a:ln>
+        </p:spPr>
+        <p:style>
+          <a:lnRef idx="0">
+            <a:scrgbClr r="0" g="0" b="0"/>
+          </a:lnRef>
+          <a:fillRef idx="0">
+            <a:scrgbClr r="0" g="0" b="0"/>
+          </a:fillRef>
+          <a:effectRef idx="0">
+            <a:scrgbClr r="0" g="0" b="0"/>
+          </a:effectRef>
+          <a:fontRef idx="minor">
+            <a:schemeClr val="lt1"/>
+          </a:fontRef>
+        </p:style>
+        <p:txBody>
+          <a:bodyPr rtlCol="0" anchor="t"/>
+          <a:lstStyle/>
+          <a:p>
+            <a:pPr algn="ctr"/>
+            <a:r>
+              <a:rPr lang="en-US" dirty="0"/>
+              <a:t>Web Browser</a:t>
+            </a:r>
+          </a:p>
+        </p:txBody>
+      </p:sp>
+      <p:sp>
+        <p:nvSpPr>
+          <p:cNvPr id="9" name="Rectangle 8">
+            <a:extLst>
+              <a:ext uri="{FF2B5EF4-FFF2-40B4-BE49-F238E27FC236}">
+                <a16:creationId xmlns:a16="http://schemas.microsoft.com/office/drawing/2014/main" id="{021013AE-C073-AFEB-246E-68B55585B3C9}"/>
+              </a:ext>
+            </a:extLst>
+          </p:cNvPr>
+          <p:cNvSpPr/>
+          <p:nvPr/>
+        </p:nvSpPr>
+        <p:spPr>
+          <a:xfrm>
+            <a:off x="6341484" y="1081506"/>
+            <a:ext cx="2607276" cy="4541528"/>
+          </a:xfrm>
+          <a:prstGeom prst="rect">
+            <a:avLst/>
+          </a:prstGeom>
+          <a:solidFill>
+            <a:schemeClr val="tx1">
+              <a:lumMod val="50000"/>
+              <a:lumOff val="50000"/>
+              <a:alpha val="50000"/>
+            </a:schemeClr>
+          </a:solidFill>
+          <a:ln>
+            <a:noFill/>
+          </a:ln>
+        </p:spPr>
+        <p:style>
+          <a:lnRef idx="0">
+            <a:scrgbClr r="0" g="0" b="0"/>
+          </a:lnRef>
+          <a:fillRef idx="0">
+            <a:scrgbClr r="0" g="0" b="0"/>
+          </a:fillRef>
+          <a:effectRef idx="0">
+            <a:scrgbClr r="0" g="0" b="0"/>
+          </a:effectRef>
+          <a:fontRef idx="minor">
+            <a:schemeClr val="lt1"/>
+          </a:fontRef>
+        </p:style>
+        <p:txBody>
+          <a:bodyPr rtlCol="0" anchor="t"/>
+          <a:lstStyle/>
+          <a:p>
+            <a:pPr algn="ctr"/>
+            <a:r>
+              <a:rPr lang="en-US" dirty="0"/>
+              <a:t>Web Server</a:t>
+            </a:r>
+          </a:p>
+        </p:txBody>
+      </p:sp>
+      <p:sp>
+        <p:nvSpPr>
+          <p:cNvPr id="10" name="Rectangle 9">
+            <a:extLst>
+              <a:ext uri="{FF2B5EF4-FFF2-40B4-BE49-F238E27FC236}">
+                <a16:creationId xmlns:a16="http://schemas.microsoft.com/office/drawing/2014/main" id="{2BD3D83D-EE8E-BC76-573E-4CD9F8D6054C}"/>
+              </a:ext>
+            </a:extLst>
+          </p:cNvPr>
+          <p:cNvSpPr/>
+          <p:nvPr/>
+        </p:nvSpPr>
+        <p:spPr>
+          <a:xfrm>
+            <a:off x="1933527" y="1597575"/>
+            <a:ext cx="1450428" cy="651642"/>
+          </a:xfrm>
+          <a:prstGeom prst="rect">
+            <a:avLst/>
+          </a:prstGeom>
+        </p:spPr>
+        <p:style>
+          <a:lnRef idx="2">
+            <a:schemeClr val="dk1">
+              <a:shade val="15000"/>
+            </a:schemeClr>
+          </a:lnRef>
+          <a:fillRef idx="1">
+            <a:schemeClr val="dk1"/>
+          </a:fillRef>
+          <a:effectRef idx="0">
+            <a:schemeClr val="dk1"/>
+          </a:effectRef>
+          <a:fontRef idx="minor">
+            <a:schemeClr val="lt1"/>
+          </a:fontRef>
+        </p:style>
+        <p:txBody>
+          <a:bodyPr rtlCol="0" anchor="ctr"/>
+          <a:lstStyle/>
+          <a:p>
+            <a:pPr algn="ctr"/>
+            <a:r>
+              <a:rPr lang="en-US" dirty="0"/>
+              <a:t>/picture</a:t>
+            </a:r>
+          </a:p>
+          <a:p>
+            <a:pPr algn="ctr"/>
+            <a:r>
+              <a:rPr lang="en-US" dirty="0"/>
+              <a:t>HTML</a:t>
+            </a:r>
+          </a:p>
+        </p:txBody>
+      </p:sp>
+      <p:cxnSp>
+        <p:nvCxnSpPr>
+          <p:cNvPr id="12" name="Straight Arrow Connector 11">
+            <a:extLst>
+              <a:ext uri="{FF2B5EF4-FFF2-40B4-BE49-F238E27FC236}">
+                <a16:creationId xmlns:a16="http://schemas.microsoft.com/office/drawing/2014/main" id="{293BF332-B7E0-F7F6-76B7-F1CA112FB217}"/>
+              </a:ext>
+            </a:extLst>
+          </p:cNvPr>
+          <p:cNvCxnSpPr>
+            <a:cxnSpLocks/>
+          </p:cNvCxnSpPr>
+          <p:nvPr/>
+        </p:nvCxnSpPr>
+        <p:spPr>
+          <a:xfrm>
+            <a:off x="3644672" y="1702676"/>
+            <a:ext cx="3730963" cy="0"/>
+          </a:xfrm>
+          <a:prstGeom prst="straightConnector1">
+            <a:avLst/>
+          </a:prstGeom>
+          <a:ln>
+            <a:solidFill>
+              <a:schemeClr val="tx1"/>
+            </a:solidFill>
+            <a:headEnd w="lg" len="med"/>
+            <a:tailEnd type="triangle"/>
+          </a:ln>
+        </p:spPr>
+        <p:style>
+          <a:lnRef idx="2">
+            <a:schemeClr val="accent1"/>
+          </a:lnRef>
+          <a:fillRef idx="0">
+            <a:schemeClr val="accent1"/>
+          </a:fillRef>
+          <a:effectRef idx="1">
+            <a:schemeClr val="accent1"/>
+          </a:effectRef>
+          <a:fontRef idx="minor">
+            <a:schemeClr val="tx1"/>
+          </a:fontRef>
+        </p:style>
+      </p:cxnSp>
+      <p:cxnSp>
+        <p:nvCxnSpPr>
+          <p:cNvPr id="13" name="Straight Arrow Connector 12">
+            <a:extLst>
+              <a:ext uri="{FF2B5EF4-FFF2-40B4-BE49-F238E27FC236}">
+                <a16:creationId xmlns:a16="http://schemas.microsoft.com/office/drawing/2014/main" id="{F0125D7A-0236-5CAA-CD56-9B29224D38B7}"/>
+              </a:ext>
+            </a:extLst>
+          </p:cNvPr>
+          <p:cNvCxnSpPr>
+            <a:cxnSpLocks/>
+          </p:cNvCxnSpPr>
+          <p:nvPr/>
+        </p:nvCxnSpPr>
+        <p:spPr>
+          <a:xfrm flipH="1">
+            <a:off x="3644672" y="2203581"/>
+            <a:ext cx="3730963" cy="0"/>
+          </a:xfrm>
+          <a:prstGeom prst="straightConnector1">
+            <a:avLst/>
+          </a:prstGeom>
+          <a:ln>
+            <a:solidFill>
+              <a:schemeClr val="tx1"/>
+            </a:solidFill>
+            <a:tailEnd type="triangle" w="lg" len="med"/>
+          </a:ln>
+        </p:spPr>
+        <p:style>
+          <a:lnRef idx="2">
+            <a:schemeClr val="accent1"/>
+          </a:lnRef>
+          <a:fillRef idx="0">
+            <a:schemeClr val="accent1"/>
+          </a:fillRef>
+          <a:effectRef idx="1">
+            <a:schemeClr val="accent1"/>
+          </a:effectRef>
+          <a:fontRef idx="minor">
+            <a:schemeClr val="tx1"/>
+          </a:fontRef>
+        </p:style>
+      </p:cxnSp>
+      <p:sp>
+        <p:nvSpPr>
+          <p:cNvPr id="17" name="TextBox 16">
+            <a:extLst>
+              <a:ext uri="{FF2B5EF4-FFF2-40B4-BE49-F238E27FC236}">
+                <a16:creationId xmlns:a16="http://schemas.microsoft.com/office/drawing/2014/main" id="{845D6E27-E9CD-0979-7BB5-8F88C56AC938}"/>
+              </a:ext>
+            </a:extLst>
+          </p:cNvPr>
+          <p:cNvSpPr txBox="1"/>
+          <p:nvPr/>
+        </p:nvSpPr>
+        <p:spPr>
+          <a:xfrm>
+            <a:off x="4670922" y="1366345"/>
+            <a:ext cx="983987" cy="276999"/>
+          </a:xfrm>
+          <a:prstGeom prst="rect">
+            <a:avLst/>
+          </a:prstGeom>
+          <a:noFill/>
+        </p:spPr>
+        <p:txBody>
+          <a:bodyPr wrap="none" rtlCol="0">
+            <a:spAutoFit/>
+          </a:bodyPr>
+          <a:lstStyle/>
+          <a:p>
+            <a:r>
+              <a:rPr lang="en-US" sz="1200" dirty="0"/>
+              <a:t>GET /picture</a:t>
+            </a:r>
+          </a:p>
+        </p:txBody>
+      </p:sp>
+      <p:sp>
+        <p:nvSpPr>
+          <p:cNvPr id="18" name="TextBox 17">
+            <a:extLst>
+              <a:ext uri="{FF2B5EF4-FFF2-40B4-BE49-F238E27FC236}">
+                <a16:creationId xmlns:a16="http://schemas.microsoft.com/office/drawing/2014/main" id="{E103CA6D-299B-4473-57EB-DD3D81E89F3E}"/>
+              </a:ext>
+            </a:extLst>
+          </p:cNvPr>
+          <p:cNvSpPr txBox="1"/>
+          <p:nvPr/>
+        </p:nvSpPr>
+        <p:spPr>
+          <a:xfrm>
+            <a:off x="4545599" y="1854342"/>
+            <a:ext cx="1234633" cy="276999"/>
+          </a:xfrm>
+          <a:prstGeom prst="rect">
+            <a:avLst/>
+          </a:prstGeom>
+          <a:noFill/>
+        </p:spPr>
+        <p:txBody>
+          <a:bodyPr wrap="none" rtlCol="0">
+            <a:spAutoFit/>
+          </a:bodyPr>
+          <a:lstStyle/>
+          <a:p>
+            <a:r>
+              <a:rPr lang="en-US" sz="1200" dirty="0"/>
+              <a:t>HTML Response</a:t>
+            </a:r>
+          </a:p>
+        </p:txBody>
+      </p:sp>
+      <p:cxnSp>
+        <p:nvCxnSpPr>
+          <p:cNvPr id="21" name="Straight Arrow Connector 20">
+            <a:extLst>
+              <a:ext uri="{FF2B5EF4-FFF2-40B4-BE49-F238E27FC236}">
+                <a16:creationId xmlns:a16="http://schemas.microsoft.com/office/drawing/2014/main" id="{535FB85A-E533-E627-769F-05A7DC09F0DB}"/>
+              </a:ext>
+            </a:extLst>
+          </p:cNvPr>
+          <p:cNvCxnSpPr>
+            <a:cxnSpLocks/>
+          </p:cNvCxnSpPr>
+          <p:nvPr/>
+        </p:nvCxnSpPr>
+        <p:spPr>
+          <a:xfrm>
+            <a:off x="3644672" y="2704486"/>
+            <a:ext cx="3730963" cy="0"/>
+          </a:xfrm>
+          <a:prstGeom prst="straightConnector1">
+            <a:avLst/>
+          </a:prstGeom>
+          <a:ln>
+            <a:solidFill>
+              <a:schemeClr val="tx1"/>
+            </a:solidFill>
+            <a:headEnd w="lg" len="med"/>
+            <a:tailEnd type="triangle"/>
+          </a:ln>
+        </p:spPr>
+        <p:style>
+          <a:lnRef idx="2">
+            <a:schemeClr val="accent1"/>
+          </a:lnRef>
+          <a:fillRef idx="0">
+            <a:schemeClr val="accent1"/>
+          </a:fillRef>
+          <a:effectRef idx="1">
+            <a:schemeClr val="accent1"/>
+          </a:effectRef>
+          <a:fontRef idx="minor">
+            <a:schemeClr val="tx1"/>
+          </a:fontRef>
+        </p:style>
+      </p:cxnSp>
+      <p:cxnSp>
+        <p:nvCxnSpPr>
+          <p:cNvPr id="22" name="Straight Arrow Connector 21">
+            <a:extLst>
+              <a:ext uri="{FF2B5EF4-FFF2-40B4-BE49-F238E27FC236}">
+                <a16:creationId xmlns:a16="http://schemas.microsoft.com/office/drawing/2014/main" id="{A8641AB4-8BE6-5314-228A-FBC8F40E773A}"/>
+              </a:ext>
+            </a:extLst>
+          </p:cNvPr>
+          <p:cNvCxnSpPr>
+            <a:cxnSpLocks/>
+          </p:cNvCxnSpPr>
+          <p:nvPr/>
+        </p:nvCxnSpPr>
+        <p:spPr>
+          <a:xfrm flipH="1">
+            <a:off x="3644672" y="3205391"/>
+            <a:ext cx="3730963" cy="0"/>
+          </a:xfrm>
+          <a:prstGeom prst="straightConnector1">
+            <a:avLst/>
+          </a:prstGeom>
+          <a:ln>
+            <a:solidFill>
+              <a:schemeClr val="tx1"/>
+            </a:solidFill>
+            <a:tailEnd type="triangle" w="lg" len="med"/>
+          </a:ln>
+        </p:spPr>
+        <p:style>
+          <a:lnRef idx="2">
+            <a:schemeClr val="accent1"/>
+          </a:lnRef>
+          <a:fillRef idx="0">
+            <a:schemeClr val="accent1"/>
+          </a:fillRef>
+          <a:effectRef idx="1">
+            <a:schemeClr val="accent1"/>
+          </a:effectRef>
+          <a:fontRef idx="minor">
+            <a:schemeClr val="tx1"/>
+          </a:fontRef>
+        </p:style>
+      </p:cxnSp>
+      <p:cxnSp>
+        <p:nvCxnSpPr>
+          <p:cNvPr id="23" name="Straight Arrow Connector 22">
+            <a:extLst>
+              <a:ext uri="{FF2B5EF4-FFF2-40B4-BE49-F238E27FC236}">
+                <a16:creationId xmlns:a16="http://schemas.microsoft.com/office/drawing/2014/main" id="{B8E4A38E-B3AF-1369-9297-7C368548A49E}"/>
+              </a:ext>
+            </a:extLst>
+          </p:cNvPr>
+          <p:cNvCxnSpPr>
+            <a:cxnSpLocks/>
+          </p:cNvCxnSpPr>
+          <p:nvPr/>
+        </p:nvCxnSpPr>
+        <p:spPr>
+          <a:xfrm>
+            <a:off x="3644672" y="3706296"/>
+            <a:ext cx="3730963" cy="0"/>
+          </a:xfrm>
+          <a:prstGeom prst="straightConnector1">
+            <a:avLst/>
+          </a:prstGeom>
+          <a:ln>
+            <a:solidFill>
+              <a:schemeClr val="tx1"/>
+            </a:solidFill>
+            <a:headEnd w="lg" len="med"/>
+            <a:tailEnd type="triangle"/>
+          </a:ln>
+        </p:spPr>
+        <p:style>
+          <a:lnRef idx="2">
+            <a:schemeClr val="accent1"/>
+          </a:lnRef>
+          <a:fillRef idx="0">
+            <a:schemeClr val="accent1"/>
+          </a:fillRef>
+          <a:effectRef idx="1">
+            <a:schemeClr val="accent1"/>
+          </a:effectRef>
+          <a:fontRef idx="minor">
+            <a:schemeClr val="tx1"/>
+          </a:fontRef>
+        </p:style>
+      </p:cxnSp>
+      <p:cxnSp>
+        <p:nvCxnSpPr>
+          <p:cNvPr id="24" name="Straight Arrow Connector 23">
+            <a:extLst>
+              <a:ext uri="{FF2B5EF4-FFF2-40B4-BE49-F238E27FC236}">
+                <a16:creationId xmlns:a16="http://schemas.microsoft.com/office/drawing/2014/main" id="{9CEBA64E-0E62-EA62-CAD0-6C64CB588C0A}"/>
+              </a:ext>
+            </a:extLst>
+          </p:cNvPr>
+          <p:cNvCxnSpPr>
+            <a:cxnSpLocks/>
+          </p:cNvCxnSpPr>
+          <p:nvPr/>
+        </p:nvCxnSpPr>
+        <p:spPr>
+          <a:xfrm flipH="1">
+            <a:off x="3644672" y="4207201"/>
+            <a:ext cx="3730963" cy="0"/>
+          </a:xfrm>
+          <a:prstGeom prst="straightConnector1">
+            <a:avLst/>
+          </a:prstGeom>
+          <a:ln>
+            <a:solidFill>
+              <a:schemeClr val="tx1"/>
+            </a:solidFill>
+            <a:tailEnd type="triangle" w="lg" len="med"/>
+          </a:ln>
+        </p:spPr>
+        <p:style>
+          <a:lnRef idx="2">
+            <a:schemeClr val="accent1"/>
+          </a:lnRef>
+          <a:fillRef idx="0">
+            <a:schemeClr val="accent1"/>
+          </a:fillRef>
+          <a:effectRef idx="1">
+            <a:schemeClr val="accent1"/>
+          </a:effectRef>
+          <a:fontRef idx="minor">
+            <a:schemeClr val="tx1"/>
+          </a:fontRef>
+        </p:style>
+      </p:cxnSp>
+      <p:cxnSp>
+        <p:nvCxnSpPr>
+          <p:cNvPr id="25" name="Straight Arrow Connector 24">
+            <a:extLst>
+              <a:ext uri="{FF2B5EF4-FFF2-40B4-BE49-F238E27FC236}">
+                <a16:creationId xmlns:a16="http://schemas.microsoft.com/office/drawing/2014/main" id="{04BFC0ED-F7CC-B95B-28DA-CC4FD6B0EA57}"/>
+              </a:ext>
+            </a:extLst>
+          </p:cNvPr>
+          <p:cNvCxnSpPr>
+            <a:cxnSpLocks/>
+          </p:cNvCxnSpPr>
+          <p:nvPr/>
+        </p:nvCxnSpPr>
+        <p:spPr>
+          <a:xfrm>
+            <a:off x="3644672" y="4708106"/>
+            <a:ext cx="3730963" cy="0"/>
+          </a:xfrm>
+          <a:prstGeom prst="straightConnector1">
+            <a:avLst/>
+          </a:prstGeom>
+          <a:ln>
+            <a:solidFill>
+              <a:schemeClr val="tx1"/>
+            </a:solidFill>
+            <a:headEnd w="lg" len="med"/>
+            <a:tailEnd type="triangle"/>
+          </a:ln>
+        </p:spPr>
+        <p:style>
+          <a:lnRef idx="2">
+            <a:schemeClr val="accent1"/>
+          </a:lnRef>
+          <a:fillRef idx="0">
+            <a:schemeClr val="accent1"/>
+          </a:fillRef>
+          <a:effectRef idx="1">
+            <a:schemeClr val="accent1"/>
+          </a:effectRef>
+          <a:fontRef idx="minor">
+            <a:schemeClr val="tx1"/>
+          </a:fontRef>
+        </p:style>
+      </p:cxnSp>
+      <p:cxnSp>
+        <p:nvCxnSpPr>
+          <p:cNvPr id="26" name="Straight Arrow Connector 25">
+            <a:extLst>
+              <a:ext uri="{FF2B5EF4-FFF2-40B4-BE49-F238E27FC236}">
+                <a16:creationId xmlns:a16="http://schemas.microsoft.com/office/drawing/2014/main" id="{DB173399-7AC4-1DDA-8EF2-58783D25AA27}"/>
+              </a:ext>
+            </a:extLst>
+          </p:cNvPr>
+          <p:cNvCxnSpPr>
+            <a:cxnSpLocks/>
+          </p:cNvCxnSpPr>
+          <p:nvPr/>
+        </p:nvCxnSpPr>
+        <p:spPr>
+          <a:xfrm flipH="1">
+            <a:off x="3644672" y="5209012"/>
+            <a:ext cx="3730963" cy="0"/>
+          </a:xfrm>
+          <a:prstGeom prst="straightConnector1">
+            <a:avLst/>
+          </a:prstGeom>
+          <a:ln>
+            <a:solidFill>
+              <a:schemeClr val="tx1"/>
+            </a:solidFill>
+            <a:tailEnd type="triangle" w="lg" len="med"/>
+          </a:ln>
+        </p:spPr>
+        <p:style>
+          <a:lnRef idx="2">
+            <a:schemeClr val="accent1"/>
+          </a:lnRef>
+          <a:fillRef idx="0">
+            <a:schemeClr val="accent1"/>
+          </a:fillRef>
+          <a:effectRef idx="1">
+            <a:schemeClr val="accent1"/>
+          </a:effectRef>
+          <a:fontRef idx="minor">
+            <a:schemeClr val="tx1"/>
+          </a:fontRef>
+        </p:style>
+      </p:cxnSp>
+      <p:pic>
+        <p:nvPicPr>
+          <p:cNvPr id="28" name="Picture 27" descr="A group of oranges with leaves&#10;&#10;Description automatically generated">
+            <a:extLst>
+              <a:ext uri="{FF2B5EF4-FFF2-40B4-BE49-F238E27FC236}">
+                <a16:creationId xmlns:a16="http://schemas.microsoft.com/office/drawing/2014/main" id="{709B012B-E128-F344-8A77-515DFCF2FEE6}"/>
+              </a:ext>
+            </a:extLst>
+          </p:cNvPr>
+          <p:cNvPicPr>
+            <a:picLocks noChangeAspect="1"/>
+          </p:cNvPicPr>
+          <p:nvPr/>
+        </p:nvPicPr>
+        <p:blipFill>
+          <a:blip r:embed="rId2"/>
+          <a:stretch>
+            <a:fillRect/>
+          </a:stretch>
+        </p:blipFill>
+        <p:spPr>
+          <a:xfrm>
+            <a:off x="2125586" y="3461207"/>
+            <a:ext cx="1075023" cy="1034960"/>
+          </a:xfrm>
+          <a:prstGeom prst="rect">
+            <a:avLst/>
+          </a:prstGeom>
+        </p:spPr>
+      </p:pic>
+      <p:pic>
+        <p:nvPicPr>
+          <p:cNvPr id="30" name="Picture 29" descr="A bunch of green grapes&#10;&#10;Description automatically generated">
+            <a:extLst>
+              <a:ext uri="{FF2B5EF4-FFF2-40B4-BE49-F238E27FC236}">
+                <a16:creationId xmlns:a16="http://schemas.microsoft.com/office/drawing/2014/main" id="{84338BC4-1154-B9F7-8755-C4ABF58D035E}"/>
+              </a:ext>
+            </a:extLst>
+          </p:cNvPr>
+          <p:cNvPicPr>
+            <a:picLocks noChangeAspect="1"/>
+          </p:cNvPicPr>
+          <p:nvPr/>
+        </p:nvPicPr>
+        <p:blipFill>
+          <a:blip r:embed="rId3"/>
+          <a:stretch>
+            <a:fillRect/>
+          </a:stretch>
+        </p:blipFill>
+        <p:spPr>
+          <a:xfrm>
+            <a:off x="1933527" y="4608784"/>
+            <a:ext cx="1457450" cy="822576"/>
+          </a:xfrm>
+          <a:prstGeom prst="rect">
+            <a:avLst/>
+          </a:prstGeom>
+        </p:spPr>
+      </p:pic>
+      <p:pic>
+        <p:nvPicPr>
+          <p:cNvPr id="32" name="Picture 31" descr="A group of apples with a cut in half&#10;&#10;Description automatically generated">
+            <a:extLst>
+              <a:ext uri="{FF2B5EF4-FFF2-40B4-BE49-F238E27FC236}">
+                <a16:creationId xmlns:a16="http://schemas.microsoft.com/office/drawing/2014/main" id="{45F9C1CF-9638-870A-C3B8-9F3C852DB2A3}"/>
+              </a:ext>
+            </a:extLst>
+          </p:cNvPr>
+          <p:cNvPicPr>
+            <a:picLocks noChangeAspect="1"/>
+          </p:cNvPicPr>
+          <p:nvPr/>
+        </p:nvPicPr>
+        <p:blipFill>
+          <a:blip r:embed="rId4"/>
+          <a:stretch>
+            <a:fillRect/>
+          </a:stretch>
+        </p:blipFill>
+        <p:spPr>
+          <a:xfrm>
+            <a:off x="2122734" y="2482850"/>
+            <a:ext cx="1077875" cy="865740"/>
+          </a:xfrm>
+          <a:prstGeom prst="rect">
+            <a:avLst/>
+          </a:prstGeom>
+        </p:spPr>
+      </p:pic>
+      <p:sp>
+        <p:nvSpPr>
+          <p:cNvPr id="33" name="TextBox 32">
+            <a:extLst>
+              <a:ext uri="{FF2B5EF4-FFF2-40B4-BE49-F238E27FC236}">
+                <a16:creationId xmlns:a16="http://schemas.microsoft.com/office/drawing/2014/main" id="{7DF290B0-6BFB-1606-CD75-19AA00003653}"/>
+              </a:ext>
+            </a:extLst>
+          </p:cNvPr>
+          <p:cNvSpPr txBox="1"/>
+          <p:nvPr/>
+        </p:nvSpPr>
+        <p:spPr>
+          <a:xfrm>
+            <a:off x="4580544" y="2444647"/>
+            <a:ext cx="1164742" cy="276999"/>
+          </a:xfrm>
+          <a:prstGeom prst="rect">
+            <a:avLst/>
+          </a:prstGeom>
+          <a:noFill/>
+        </p:spPr>
+        <p:txBody>
+          <a:bodyPr wrap="none" rtlCol="0">
+            <a:spAutoFit/>
+          </a:bodyPr>
+          <a:lstStyle/>
+          <a:p>
+            <a:r>
+              <a:rPr lang="en-US" sz="1200" dirty="0"/>
+              <a:t>GET /</a:t>
+            </a:r>
+            <a:r>
+              <a:rPr lang="en-US" sz="1200" dirty="0" err="1"/>
+              <a:t>apple.png</a:t>
+            </a:r>
+            <a:endParaRPr lang="en-US" sz="1200" dirty="0"/>
+          </a:p>
+        </p:txBody>
+      </p:sp>
+      <p:sp>
+        <p:nvSpPr>
+          <p:cNvPr id="34" name="TextBox 33">
+            <a:extLst>
+              <a:ext uri="{FF2B5EF4-FFF2-40B4-BE49-F238E27FC236}">
+                <a16:creationId xmlns:a16="http://schemas.microsoft.com/office/drawing/2014/main" id="{C8C2532F-4339-7667-1E4B-FBDBA5C88315}"/>
+              </a:ext>
+            </a:extLst>
+          </p:cNvPr>
+          <p:cNvSpPr txBox="1"/>
+          <p:nvPr/>
+        </p:nvSpPr>
+        <p:spPr>
+          <a:xfrm>
+            <a:off x="4542745" y="3472317"/>
+            <a:ext cx="1240340" cy="276999"/>
+          </a:xfrm>
+          <a:prstGeom prst="rect">
+            <a:avLst/>
+          </a:prstGeom>
+          <a:noFill/>
+        </p:spPr>
+        <p:txBody>
+          <a:bodyPr wrap="none" rtlCol="0">
+            <a:spAutoFit/>
+          </a:bodyPr>
+          <a:lstStyle/>
+          <a:p>
+            <a:r>
+              <a:rPr lang="en-US" sz="1200" dirty="0"/>
+              <a:t>GET /</a:t>
+            </a:r>
+            <a:r>
+              <a:rPr lang="en-US" sz="1200" dirty="0" err="1"/>
+              <a:t>orange.png</a:t>
+            </a:r>
+            <a:endParaRPr lang="en-US" sz="1200" dirty="0"/>
+          </a:p>
+        </p:txBody>
+      </p:sp>
+      <p:sp>
+        <p:nvSpPr>
+          <p:cNvPr id="35" name="TextBox 34">
+            <a:extLst>
+              <a:ext uri="{FF2B5EF4-FFF2-40B4-BE49-F238E27FC236}">
+                <a16:creationId xmlns:a16="http://schemas.microsoft.com/office/drawing/2014/main" id="{493AAD10-DD07-E671-BCBE-C5CB706C751A}"/>
+              </a:ext>
+            </a:extLst>
+          </p:cNvPr>
+          <p:cNvSpPr txBox="1"/>
+          <p:nvPr/>
+        </p:nvSpPr>
+        <p:spPr>
+          <a:xfrm>
+            <a:off x="4583237" y="4439103"/>
+            <a:ext cx="1159356" cy="276999"/>
+          </a:xfrm>
+          <a:prstGeom prst="rect">
+            <a:avLst/>
+          </a:prstGeom>
+          <a:noFill/>
+        </p:spPr>
+        <p:txBody>
+          <a:bodyPr wrap="none" rtlCol="0">
+            <a:spAutoFit/>
+          </a:bodyPr>
+          <a:lstStyle/>
+          <a:p>
+            <a:r>
+              <a:rPr lang="en-US" sz="1200" dirty="0"/>
+              <a:t>GET /</a:t>
+            </a:r>
+            <a:r>
+              <a:rPr lang="en-US" sz="1200" dirty="0" err="1"/>
+              <a:t>grape.png</a:t>
+            </a:r>
+            <a:endParaRPr lang="en-US" sz="1200" dirty="0"/>
+          </a:p>
+        </p:txBody>
+      </p:sp>
+      <p:sp>
+        <p:nvSpPr>
+          <p:cNvPr id="36" name="TextBox 35">
+            <a:extLst>
+              <a:ext uri="{FF2B5EF4-FFF2-40B4-BE49-F238E27FC236}">
+                <a16:creationId xmlns:a16="http://schemas.microsoft.com/office/drawing/2014/main" id="{1B4451B5-A783-1930-E3F5-00A2134A54BE}"/>
+              </a:ext>
+            </a:extLst>
+          </p:cNvPr>
+          <p:cNvSpPr txBox="1"/>
+          <p:nvPr/>
+        </p:nvSpPr>
+        <p:spPr>
+          <a:xfrm>
+            <a:off x="4580865" y="2944652"/>
+            <a:ext cx="1164101" cy="276999"/>
+          </a:xfrm>
+          <a:prstGeom prst="rect">
+            <a:avLst/>
+          </a:prstGeom>
+          <a:noFill/>
+        </p:spPr>
+        <p:txBody>
+          <a:bodyPr wrap="none" rtlCol="0">
+            <a:spAutoFit/>
+          </a:bodyPr>
+          <a:lstStyle/>
+          <a:p>
+            <a:r>
+              <a:rPr lang="en-US" sz="1200" dirty="0"/>
+              <a:t>PNG Response</a:t>
+            </a:r>
+          </a:p>
+        </p:txBody>
+      </p:sp>
+      <p:sp>
+        <p:nvSpPr>
+          <p:cNvPr id="37" name="TextBox 36">
+            <a:extLst>
+              <a:ext uri="{FF2B5EF4-FFF2-40B4-BE49-F238E27FC236}">
+                <a16:creationId xmlns:a16="http://schemas.microsoft.com/office/drawing/2014/main" id="{0E32EC35-CDED-A3D8-3C3C-C3AE7F7AA671}"/>
+              </a:ext>
+            </a:extLst>
+          </p:cNvPr>
+          <p:cNvSpPr txBox="1"/>
+          <p:nvPr/>
+        </p:nvSpPr>
+        <p:spPr>
+          <a:xfrm>
+            <a:off x="4580865" y="3961715"/>
+            <a:ext cx="1164101" cy="276999"/>
+          </a:xfrm>
+          <a:prstGeom prst="rect">
+            <a:avLst/>
+          </a:prstGeom>
+          <a:noFill/>
+        </p:spPr>
+        <p:txBody>
+          <a:bodyPr wrap="none" rtlCol="0">
+            <a:spAutoFit/>
+          </a:bodyPr>
+          <a:lstStyle/>
+          <a:p>
+            <a:r>
+              <a:rPr lang="en-US" sz="1200" dirty="0"/>
+              <a:t>PNG Response</a:t>
+            </a:r>
+          </a:p>
+        </p:txBody>
+      </p:sp>
+      <p:sp>
+        <p:nvSpPr>
+          <p:cNvPr id="38" name="TextBox 37">
+            <a:extLst>
+              <a:ext uri="{FF2B5EF4-FFF2-40B4-BE49-F238E27FC236}">
+                <a16:creationId xmlns:a16="http://schemas.microsoft.com/office/drawing/2014/main" id="{E29C8BEC-BB77-9397-D34D-0CDACC5B28C9}"/>
+              </a:ext>
+            </a:extLst>
+          </p:cNvPr>
+          <p:cNvSpPr txBox="1"/>
+          <p:nvPr/>
+        </p:nvSpPr>
+        <p:spPr>
+          <a:xfrm>
+            <a:off x="4580865" y="4975304"/>
+            <a:ext cx="1164101" cy="276999"/>
+          </a:xfrm>
+          <a:prstGeom prst="rect">
+            <a:avLst/>
+          </a:prstGeom>
+          <a:noFill/>
+        </p:spPr>
+        <p:txBody>
+          <a:bodyPr wrap="none" rtlCol="0">
+            <a:spAutoFit/>
+          </a:bodyPr>
+          <a:lstStyle/>
+          <a:p>
+            <a:r>
+              <a:rPr lang="en-US" sz="1200" dirty="0"/>
+              <a:t>PNG Response</a:t>
+            </a:r>
+          </a:p>
+        </p:txBody>
+      </p:sp>
+      <p:sp>
+        <p:nvSpPr>
+          <p:cNvPr id="39" name="Oval 38">
+            <a:extLst>
+              <a:ext uri="{FF2B5EF4-FFF2-40B4-BE49-F238E27FC236}">
+                <a16:creationId xmlns:a16="http://schemas.microsoft.com/office/drawing/2014/main" id="{640BD688-95C3-850A-12C6-F5D0AC0476FC}"/>
+              </a:ext>
+            </a:extLst>
+          </p:cNvPr>
+          <p:cNvSpPr/>
+          <p:nvPr/>
+        </p:nvSpPr>
+        <p:spPr>
+          <a:xfrm>
+            <a:off x="6905804" y="1747072"/>
+            <a:ext cx="447325" cy="430887"/>
+          </a:xfrm>
+          <a:prstGeom prst="ellipse">
+            <a:avLst/>
+          </a:prstGeom>
+          <a:solidFill>
+            <a:schemeClr val="tx1">
+              <a:lumMod val="50000"/>
+              <a:lumOff val="50000"/>
+            </a:schemeClr>
+          </a:solidFill>
+          <a:ln>
+            <a:solidFill>
+              <a:schemeClr val="tx1">
+                <a:lumMod val="65000"/>
+                <a:lumOff val="35000"/>
+              </a:schemeClr>
+            </a:solidFill>
+          </a:ln>
+        </p:spPr>
+        <p:style>
+          <a:lnRef idx="2">
+            <a:schemeClr val="accent1">
+              <a:shade val="15000"/>
+            </a:schemeClr>
+          </a:lnRef>
+          <a:fillRef idx="1">
+            <a:schemeClr val="accent1"/>
+          </a:fillRef>
+          <a:effectRef idx="0">
+            <a:schemeClr val="accent1"/>
+          </a:effectRef>
+          <a:fontRef idx="minor">
+            <a:schemeClr val="lt1"/>
+          </a:fontRef>
+        </p:style>
+        <p:txBody>
+          <a:bodyPr rtlCol="0" anchor="ctr"/>
+          <a:lstStyle/>
+          <a:p>
+            <a:pPr algn="ctr"/>
+            <a:r>
+              <a:rPr lang="en-US" sz="1100" dirty="0"/>
+              <a:t>1</a:t>
+            </a:r>
+          </a:p>
+        </p:txBody>
+      </p:sp>
+      <p:sp>
+        <p:nvSpPr>
+          <p:cNvPr id="40" name="Oval 39">
+            <a:extLst>
+              <a:ext uri="{FF2B5EF4-FFF2-40B4-BE49-F238E27FC236}">
+                <a16:creationId xmlns:a16="http://schemas.microsoft.com/office/drawing/2014/main" id="{30505927-66EB-F6B1-DA79-47C14023DB94}"/>
+              </a:ext>
+            </a:extLst>
+          </p:cNvPr>
+          <p:cNvSpPr/>
+          <p:nvPr/>
+        </p:nvSpPr>
+        <p:spPr>
+          <a:xfrm>
+            <a:off x="6905804" y="2738316"/>
+            <a:ext cx="447325" cy="430887"/>
+          </a:xfrm>
+          <a:prstGeom prst="ellipse">
+            <a:avLst/>
+          </a:prstGeom>
+          <a:solidFill>
+            <a:schemeClr val="tx1">
+              <a:lumMod val="50000"/>
+              <a:lumOff val="50000"/>
+            </a:schemeClr>
+          </a:solidFill>
+          <a:ln>
+            <a:solidFill>
+              <a:schemeClr val="tx1">
+                <a:lumMod val="65000"/>
+                <a:lumOff val="35000"/>
+              </a:schemeClr>
+            </a:solidFill>
+          </a:ln>
+        </p:spPr>
+        <p:style>
+          <a:lnRef idx="2">
+            <a:schemeClr val="accent1">
+              <a:shade val="15000"/>
+            </a:schemeClr>
+          </a:lnRef>
+          <a:fillRef idx="1">
+            <a:schemeClr val="accent1"/>
+          </a:fillRef>
+          <a:effectRef idx="0">
+            <a:schemeClr val="accent1"/>
+          </a:effectRef>
+          <a:fontRef idx="minor">
+            <a:schemeClr val="lt1"/>
+          </a:fontRef>
+        </p:style>
+        <p:txBody>
+          <a:bodyPr rtlCol="0" anchor="ctr"/>
+          <a:lstStyle/>
+          <a:p>
+            <a:pPr algn="ctr"/>
+            <a:r>
+              <a:rPr lang="en-US" sz="1100" dirty="0"/>
+              <a:t>2</a:t>
+            </a:r>
+          </a:p>
+        </p:txBody>
+      </p:sp>
+      <p:sp>
+        <p:nvSpPr>
+          <p:cNvPr id="41" name="Oval 40">
+            <a:extLst>
+              <a:ext uri="{FF2B5EF4-FFF2-40B4-BE49-F238E27FC236}">
+                <a16:creationId xmlns:a16="http://schemas.microsoft.com/office/drawing/2014/main" id="{4EF094AF-FE9D-31C4-608F-F02CEE63CE46}"/>
+              </a:ext>
+            </a:extLst>
+          </p:cNvPr>
+          <p:cNvSpPr/>
+          <p:nvPr/>
+        </p:nvSpPr>
+        <p:spPr>
+          <a:xfrm>
+            <a:off x="6905803" y="3723264"/>
+            <a:ext cx="447325" cy="430887"/>
+          </a:xfrm>
+          <a:prstGeom prst="ellipse">
+            <a:avLst/>
+          </a:prstGeom>
+          <a:solidFill>
+            <a:schemeClr val="tx1">
+              <a:lumMod val="50000"/>
+              <a:lumOff val="50000"/>
+            </a:schemeClr>
+          </a:solidFill>
+          <a:ln>
+            <a:solidFill>
+              <a:schemeClr val="tx1">
+                <a:lumMod val="65000"/>
+                <a:lumOff val="35000"/>
+              </a:schemeClr>
+            </a:solidFill>
+          </a:ln>
+        </p:spPr>
+        <p:style>
+          <a:lnRef idx="2">
+            <a:schemeClr val="accent1">
+              <a:shade val="15000"/>
+            </a:schemeClr>
+          </a:lnRef>
+          <a:fillRef idx="1">
+            <a:schemeClr val="accent1"/>
+          </a:fillRef>
+          <a:effectRef idx="0">
+            <a:schemeClr val="accent1"/>
+          </a:effectRef>
+          <a:fontRef idx="minor">
+            <a:schemeClr val="lt1"/>
+          </a:fontRef>
+        </p:style>
+        <p:txBody>
+          <a:bodyPr rtlCol="0" anchor="ctr"/>
+          <a:lstStyle/>
+          <a:p>
+            <a:pPr algn="ctr"/>
+            <a:r>
+              <a:rPr lang="en-US" sz="1100" dirty="0"/>
+              <a:t>3</a:t>
+            </a:r>
+          </a:p>
+        </p:txBody>
+      </p:sp>
+      <p:sp>
+        <p:nvSpPr>
+          <p:cNvPr id="42" name="Oval 41">
+            <a:extLst>
+              <a:ext uri="{FF2B5EF4-FFF2-40B4-BE49-F238E27FC236}">
+                <a16:creationId xmlns:a16="http://schemas.microsoft.com/office/drawing/2014/main" id="{86227FFD-739C-3878-4FFB-5CBDB7F2B381}"/>
+              </a:ext>
+            </a:extLst>
+          </p:cNvPr>
+          <p:cNvSpPr/>
+          <p:nvPr/>
+        </p:nvSpPr>
+        <p:spPr>
+          <a:xfrm>
+            <a:off x="6905802" y="4759860"/>
+            <a:ext cx="447325" cy="430887"/>
+          </a:xfrm>
+          <a:prstGeom prst="ellipse">
+            <a:avLst/>
+          </a:prstGeom>
+          <a:solidFill>
+            <a:schemeClr val="tx1">
+              <a:lumMod val="50000"/>
+              <a:lumOff val="50000"/>
+            </a:schemeClr>
+          </a:solidFill>
+          <a:ln>
+            <a:solidFill>
+              <a:schemeClr val="tx1">
+                <a:lumMod val="65000"/>
+                <a:lumOff val="35000"/>
+              </a:schemeClr>
+            </a:solidFill>
+          </a:ln>
+        </p:spPr>
+        <p:style>
+          <a:lnRef idx="2">
+            <a:schemeClr val="accent1">
+              <a:shade val="15000"/>
+            </a:schemeClr>
+          </a:lnRef>
+          <a:fillRef idx="1">
+            <a:schemeClr val="accent1"/>
+          </a:fillRef>
+          <a:effectRef idx="0">
+            <a:schemeClr val="accent1"/>
+          </a:effectRef>
+          <a:fontRef idx="minor">
+            <a:schemeClr val="lt1"/>
+          </a:fontRef>
+        </p:style>
+        <p:txBody>
+          <a:bodyPr rtlCol="0" anchor="ctr"/>
+          <a:lstStyle/>
+          <a:p>
+            <a:pPr algn="ctr"/>
+            <a:r>
+              <a:rPr lang="en-US" sz="1100" dirty="0"/>
+              <a:t>4</a:t>
+            </a:r>
+          </a:p>
+        </p:txBody>
+      </p:sp>
+    </p:spTree>
+    <p:extLst>
+      <p:ext uri="{BB962C8B-B14F-4D97-AF65-F5344CB8AC3E}">
+        <p14:creationId xmlns:p14="http://schemas.microsoft.com/office/powerpoint/2010/main" val="849926805"/>
       </p:ext>
     </p:extLst>
   </p:cSld>

--- a/materials/graphicspptx.pptx
+++ b/materials/graphicspptx.pptx
@@ -10,6 +10,8 @@
     <p:sldId id="258" r:id="rId4"/>
     <p:sldId id="259" r:id="rId5"/>
     <p:sldId id="260" r:id="rId6"/>
+    <p:sldId id="261" r:id="rId7"/>
+    <p:sldId id="262" r:id="rId8"/>
   </p:sldIdLst>
   <p:sldSz cx="12192000" cy="6858000"/>
   <p:notesSz cx="6858000" cy="9144000"/>
@@ -267,7 +269,7 @@
           <a:p>
             <a:fld id="{1ECB5883-038C-4696-8E27-1811E470D6D4}" type="datetime1">
               <a:rPr lang="en-US" smtClean="0"/>
-              <a:t>9/26/24</a:t>
+              <a:t>10/2/24</a:t>
             </a:fld>
             <a:endParaRPr lang="en-US"/>
           </a:p>
@@ -468,7 +470,7 @@
           <a:p>
             <a:fld id="{61E8A6D4-154B-4E4D-9001-7A6C328D243E}" type="datetime1">
               <a:rPr lang="en-US" smtClean="0"/>
-              <a:t>9/26/24</a:t>
+              <a:t>10/2/24</a:t>
             </a:fld>
             <a:endParaRPr lang="en-US"/>
           </a:p>
@@ -679,7 +681,7 @@
           <a:p>
             <a:fld id="{EF880999-9BD6-4929-BDEC-B84E21C16701}" type="datetime1">
               <a:rPr lang="en-US" smtClean="0"/>
-              <a:t>9/26/24</a:t>
+              <a:t>10/2/24</a:t>
             </a:fld>
             <a:endParaRPr lang="en-US"/>
           </a:p>
@@ -880,7 +882,7 @@
           <a:p>
             <a:fld id="{579F6069-8263-4296-913A-BC2234E8D32B}" type="datetime1">
               <a:rPr lang="en-US" smtClean="0"/>
-              <a:t>9/26/24</a:t>
+              <a:t>10/2/24</a:t>
             </a:fld>
             <a:endParaRPr lang="en-US"/>
           </a:p>
@@ -1160,7 +1162,7 @@
           <a:p>
             <a:fld id="{BC9F5005-EC25-4FB9-B19B-2437F0B120D2}" type="datetime1">
               <a:rPr lang="en-US" smtClean="0"/>
-              <a:t>9/26/24</a:t>
+              <a:t>10/2/24</a:t>
             </a:fld>
             <a:endParaRPr lang="en-US"/>
           </a:p>
@@ -1428,7 +1430,7 @@
           <a:p>
             <a:fld id="{0B283B5C-2325-42FF-AF91-C1451D9D66CC}" type="datetime1">
               <a:rPr lang="en-US" smtClean="0"/>
-              <a:t>9/26/24</a:t>
+              <a:t>10/2/24</a:t>
             </a:fld>
             <a:endParaRPr lang="en-US"/>
           </a:p>
@@ -1847,7 +1849,7 @@
           <a:p>
             <a:fld id="{0F88DB08-3B01-46DD-99F2-F6F6334EA669}" type="datetime1">
               <a:rPr lang="en-US" smtClean="0"/>
-              <a:t>9/26/24</a:t>
+              <a:t>10/2/24</a:t>
             </a:fld>
             <a:endParaRPr lang="en-US"/>
           </a:p>
@@ -1991,7 +1993,7 @@
           <a:p>
             <a:fld id="{5892AC11-ACC3-4129-BBD7-C580BF1A4EE7}" type="datetime1">
               <a:rPr lang="en-US" smtClean="0"/>
-              <a:t>9/26/24</a:t>
+              <a:t>10/2/24</a:t>
             </a:fld>
             <a:endParaRPr lang="en-US"/>
           </a:p>
@@ -2107,7 +2109,7 @@
           <a:p>
             <a:fld id="{6D80F7F3-E406-44E2-93AF-674B3F1A2E51}" type="datetime1">
               <a:rPr lang="en-US" smtClean="0"/>
-              <a:t>9/26/24</a:t>
+              <a:t>10/2/24</a:t>
             </a:fld>
             <a:endParaRPr lang="en-US"/>
           </a:p>
@@ -2425,7 +2427,7 @@
           <a:p>
             <a:fld id="{2FB1DD93-7C9D-4E53-81F0-DDE57FEA7EDB}" type="datetime1">
               <a:rPr lang="en-US" smtClean="0"/>
-              <a:t>9/26/24</a:t>
+              <a:t>10/2/24</a:t>
             </a:fld>
             <a:endParaRPr lang="en-US"/>
           </a:p>
@@ -2718,7 +2720,7 @@
           <a:p>
             <a:fld id="{3DF7BC28-59DE-4F83-B4A1-497203279FAD}" type="datetime1">
               <a:rPr lang="en-US" smtClean="0"/>
-              <a:t>9/26/24</a:t>
+              <a:t>10/2/24</a:t>
             </a:fld>
             <a:endParaRPr lang="en-US"/>
           </a:p>
@@ -3018,7 +3020,7 @@
           <a:p>
             <a:fld id="{0BDC4764-F656-4735-9820-9886F8DF1D6A}" type="datetime1">
               <a:rPr lang="en-US" smtClean="0"/>
-              <a:t>9/26/24</a:t>
+              <a:t>10/2/24</a:t>
             </a:fld>
             <a:endParaRPr lang="en-US" dirty="0"/>
           </a:p>
@@ -3703,7 +3705,7 @@
           <a:p>
             <a:fld id="{579F6069-8263-4296-913A-BC2234E8D32B}" type="datetime1">
               <a:rPr lang="en-US" smtClean="0"/>
-              <a:t>9/26/24</a:t>
+              <a:t>10/2/24</a:t>
             </a:fld>
             <a:endParaRPr lang="en-US"/>
           </a:p>
@@ -6472,7 +6474,7 @@
           <a:p>
             <a:fld id="{579F6069-8263-4296-913A-BC2234E8D32B}" type="datetime1">
               <a:rPr lang="en-US" smtClean="0"/>
-              <a:t>9/26/24</a:t>
+              <a:t>10/2/24</a:t>
             </a:fld>
             <a:endParaRPr lang="en-US"/>
           </a:p>
@@ -7701,6 +7703,1794 @@
     <p:extLst>
       <p:ext uri="{BB962C8B-B14F-4D97-AF65-F5344CB8AC3E}">
         <p14:creationId xmlns:p14="http://schemas.microsoft.com/office/powerpoint/2010/main" val="849926805"/>
+      </p:ext>
+    </p:extLst>
+  </p:cSld>
+  <p:clrMapOvr>
+    <a:masterClrMapping/>
+  </p:clrMapOvr>
+</p:sld>
+</file>
+
+<file path=ppt/slides/slide6.xml><?xml version="1.0" encoding="utf-8"?>
+<p:sld xmlns:a="http://schemas.openxmlformats.org/drawingml/2006/main" xmlns:r="http://schemas.openxmlformats.org/officeDocument/2006/relationships" xmlns:p="http://schemas.openxmlformats.org/presentationml/2006/main">
+  <p:cSld>
+    <p:spTree>
+      <p:nvGrpSpPr>
+        <p:cNvPr id="1" name=""/>
+        <p:cNvGrpSpPr/>
+        <p:nvPr/>
+      </p:nvGrpSpPr>
+      <p:grpSpPr>
+        <a:xfrm>
+          <a:off x="0" y="0"/>
+          <a:ext cx="0" cy="0"/>
+          <a:chOff x="0" y="0"/>
+          <a:chExt cx="0" cy="0"/>
+        </a:xfrm>
+      </p:grpSpPr>
+      <p:sp>
+        <p:nvSpPr>
+          <p:cNvPr id="4" name="Date Placeholder 3">
+            <a:extLst>
+              <a:ext uri="{FF2B5EF4-FFF2-40B4-BE49-F238E27FC236}">
+                <a16:creationId xmlns:a16="http://schemas.microsoft.com/office/drawing/2014/main" id="{FC6C0B23-811E-59AD-945A-CD094536DB20}"/>
+              </a:ext>
+            </a:extLst>
+          </p:cNvPr>
+          <p:cNvSpPr>
+            <a:spLocks noGrp="1"/>
+          </p:cNvSpPr>
+          <p:nvPr>
+            <p:ph type="dt" sz="half" idx="10"/>
+          </p:nvPr>
+        </p:nvSpPr>
+        <p:spPr/>
+        <p:txBody>
+          <a:bodyPr/>
+          <a:lstStyle/>
+          <a:p>
+            <a:fld id="{579F6069-8263-4296-913A-BC2234E8D32B}" type="datetime1">
+              <a:rPr lang="en-US" smtClean="0"/>
+              <a:t>10/2/24</a:t>
+            </a:fld>
+            <a:endParaRPr lang="en-US"/>
+          </a:p>
+        </p:txBody>
+      </p:sp>
+      <p:sp>
+        <p:nvSpPr>
+          <p:cNvPr id="5" name="Footer Placeholder 4">
+            <a:extLst>
+              <a:ext uri="{FF2B5EF4-FFF2-40B4-BE49-F238E27FC236}">
+                <a16:creationId xmlns:a16="http://schemas.microsoft.com/office/drawing/2014/main" id="{199D4038-F7B3-0BA9-4C7C-DF430777480B}"/>
+              </a:ext>
+            </a:extLst>
+          </p:cNvPr>
+          <p:cNvSpPr>
+            <a:spLocks noGrp="1"/>
+          </p:cNvSpPr>
+          <p:nvPr>
+            <p:ph type="ftr" sz="quarter" idx="11"/>
+          </p:nvPr>
+        </p:nvSpPr>
+        <p:spPr/>
+        <p:txBody>
+          <a:bodyPr/>
+          <a:lstStyle/>
+          <a:p>
+            <a:r>
+              <a:rPr lang="en-US"/>
+              <a:t>Sample Footer Text</a:t>
+            </a:r>
+          </a:p>
+        </p:txBody>
+      </p:sp>
+      <p:sp>
+        <p:nvSpPr>
+          <p:cNvPr id="6" name="Slide Number Placeholder 5">
+            <a:extLst>
+              <a:ext uri="{FF2B5EF4-FFF2-40B4-BE49-F238E27FC236}">
+                <a16:creationId xmlns:a16="http://schemas.microsoft.com/office/drawing/2014/main" id="{36E7FDD5-53C2-40C5-62A0-6EAEAA419903}"/>
+              </a:ext>
+            </a:extLst>
+          </p:cNvPr>
+          <p:cNvSpPr>
+            <a:spLocks noGrp="1"/>
+          </p:cNvSpPr>
+          <p:nvPr>
+            <p:ph type="sldNum" sz="quarter" idx="12"/>
+          </p:nvPr>
+        </p:nvSpPr>
+        <p:spPr/>
+        <p:txBody>
+          <a:bodyPr/>
+          <a:lstStyle/>
+          <a:p>
+            <a:fld id="{C68AC1EC-23E2-4F0E-A5A4-674EC8DB954E}" type="slidenum">
+              <a:rPr lang="en-US" smtClean="0"/>
+              <a:t>6</a:t>
+            </a:fld>
+            <a:endParaRPr lang="en-US"/>
+          </a:p>
+        </p:txBody>
+      </p:sp>
+      <p:sp>
+        <p:nvSpPr>
+          <p:cNvPr id="7" name="Rectangle 6">
+            <a:extLst>
+              <a:ext uri="{FF2B5EF4-FFF2-40B4-BE49-F238E27FC236}">
+                <a16:creationId xmlns:a16="http://schemas.microsoft.com/office/drawing/2014/main" id="{8330B936-C63D-F763-8525-68F1C0DC7AE3}"/>
+              </a:ext>
+            </a:extLst>
+          </p:cNvPr>
+          <p:cNvSpPr/>
+          <p:nvPr/>
+        </p:nvSpPr>
+        <p:spPr>
+          <a:xfrm>
+            <a:off x="366689" y="503436"/>
+            <a:ext cx="2607276" cy="2925563"/>
+          </a:xfrm>
+          <a:prstGeom prst="rect">
+            <a:avLst/>
+          </a:prstGeom>
+          <a:solidFill>
+            <a:schemeClr val="tx1">
+              <a:lumMod val="50000"/>
+              <a:lumOff val="50000"/>
+              <a:alpha val="50000"/>
+            </a:schemeClr>
+          </a:solidFill>
+          <a:ln>
+            <a:noFill/>
+          </a:ln>
+        </p:spPr>
+        <p:style>
+          <a:lnRef idx="0">
+            <a:scrgbClr r="0" g="0" b="0"/>
+          </a:lnRef>
+          <a:fillRef idx="0">
+            <a:scrgbClr r="0" g="0" b="0"/>
+          </a:fillRef>
+          <a:effectRef idx="0">
+            <a:scrgbClr r="0" g="0" b="0"/>
+          </a:effectRef>
+          <a:fontRef idx="minor">
+            <a:schemeClr val="lt1"/>
+          </a:fontRef>
+        </p:style>
+        <p:txBody>
+          <a:bodyPr rtlCol="0" anchor="t"/>
+          <a:lstStyle/>
+          <a:p>
+            <a:pPr algn="ctr"/>
+            <a:r>
+              <a:rPr lang="en-US" dirty="0"/>
+              <a:t>Google Chrome</a:t>
+            </a:r>
+          </a:p>
+        </p:txBody>
+      </p:sp>
+      <p:sp>
+        <p:nvSpPr>
+          <p:cNvPr id="8" name="Snip Diagonal Corner Rectangle 7">
+            <a:extLst>
+              <a:ext uri="{FF2B5EF4-FFF2-40B4-BE49-F238E27FC236}">
+                <a16:creationId xmlns:a16="http://schemas.microsoft.com/office/drawing/2014/main" id="{4CCA0894-2643-66A6-3FF0-F3DDB679890E}"/>
+              </a:ext>
+            </a:extLst>
+          </p:cNvPr>
+          <p:cNvSpPr/>
+          <p:nvPr/>
+        </p:nvSpPr>
+        <p:spPr>
+          <a:xfrm>
+            <a:off x="769066" y="2528416"/>
+            <a:ext cx="1802522" cy="743606"/>
+          </a:xfrm>
+          <a:prstGeom prst="snip2DiagRect">
+            <a:avLst>
+              <a:gd name="adj1" fmla="val 15409"/>
+              <a:gd name="adj2" fmla="val 16667"/>
+            </a:avLst>
+          </a:prstGeom>
+          <a:solidFill>
+            <a:schemeClr val="tx2">
+              <a:lumMod val="90000"/>
+              <a:lumOff val="10000"/>
+            </a:schemeClr>
+          </a:solidFill>
+        </p:spPr>
+        <p:style>
+          <a:lnRef idx="2">
+            <a:schemeClr val="accent1">
+              <a:shade val="15000"/>
+            </a:schemeClr>
+          </a:lnRef>
+          <a:fillRef idx="1">
+            <a:schemeClr val="accent1"/>
+          </a:fillRef>
+          <a:effectRef idx="0">
+            <a:schemeClr val="accent1"/>
+          </a:effectRef>
+          <a:fontRef idx="minor">
+            <a:schemeClr val="lt1"/>
+          </a:fontRef>
+        </p:style>
+        <p:txBody>
+          <a:bodyPr rtlCol="0" anchor="ctr"/>
+          <a:lstStyle/>
+          <a:p>
+            <a:pPr algn="ctr"/>
+            <a:r>
+              <a:rPr lang="en-US" sz="1400" dirty="0"/>
+              <a:t>V8 JavaScript Engine</a:t>
+            </a:r>
+          </a:p>
+        </p:txBody>
+      </p:sp>
+      <p:sp>
+        <p:nvSpPr>
+          <p:cNvPr id="9" name="Rectangle 8">
+            <a:extLst>
+              <a:ext uri="{FF2B5EF4-FFF2-40B4-BE49-F238E27FC236}">
+                <a16:creationId xmlns:a16="http://schemas.microsoft.com/office/drawing/2014/main" id="{251B280A-7614-9581-48E3-23AA7CBE89AB}"/>
+              </a:ext>
+            </a:extLst>
+          </p:cNvPr>
+          <p:cNvSpPr/>
+          <p:nvPr/>
+        </p:nvSpPr>
+        <p:spPr>
+          <a:xfrm>
+            <a:off x="366689" y="3804776"/>
+            <a:ext cx="2607276" cy="2074194"/>
+          </a:xfrm>
+          <a:prstGeom prst="rect">
+            <a:avLst/>
+          </a:prstGeom>
+          <a:solidFill>
+            <a:schemeClr val="tx1">
+              <a:lumMod val="50000"/>
+              <a:lumOff val="50000"/>
+              <a:alpha val="50000"/>
+            </a:schemeClr>
+          </a:solidFill>
+          <a:ln>
+            <a:noFill/>
+          </a:ln>
+        </p:spPr>
+        <p:style>
+          <a:lnRef idx="0">
+            <a:scrgbClr r="0" g="0" b="0"/>
+          </a:lnRef>
+          <a:fillRef idx="0">
+            <a:scrgbClr r="0" g="0" b="0"/>
+          </a:fillRef>
+          <a:effectRef idx="0">
+            <a:scrgbClr r="0" g="0" b="0"/>
+          </a:effectRef>
+          <a:fontRef idx="minor">
+            <a:schemeClr val="lt1"/>
+          </a:fontRef>
+        </p:style>
+        <p:txBody>
+          <a:bodyPr rtlCol="0" anchor="t"/>
+          <a:lstStyle/>
+          <a:p>
+            <a:pPr algn="ctr"/>
+            <a:r>
+              <a:rPr lang="en-US" dirty="0"/>
+              <a:t>NodeJS</a:t>
+            </a:r>
+          </a:p>
+        </p:txBody>
+      </p:sp>
+      <p:sp>
+        <p:nvSpPr>
+          <p:cNvPr id="10" name="Snip Diagonal Corner Rectangle 9">
+            <a:extLst>
+              <a:ext uri="{FF2B5EF4-FFF2-40B4-BE49-F238E27FC236}">
+                <a16:creationId xmlns:a16="http://schemas.microsoft.com/office/drawing/2014/main" id="{863CCACF-1EA2-5BC9-061C-F7185B054830}"/>
+              </a:ext>
+            </a:extLst>
+          </p:cNvPr>
+          <p:cNvSpPr/>
+          <p:nvPr/>
+        </p:nvSpPr>
+        <p:spPr>
+          <a:xfrm>
+            <a:off x="769066" y="4761375"/>
+            <a:ext cx="1802522" cy="743606"/>
+          </a:xfrm>
+          <a:prstGeom prst="snip2DiagRect">
+            <a:avLst>
+              <a:gd name="adj1" fmla="val 15409"/>
+              <a:gd name="adj2" fmla="val 16667"/>
+            </a:avLst>
+          </a:prstGeom>
+          <a:solidFill>
+            <a:schemeClr val="tx2">
+              <a:lumMod val="90000"/>
+              <a:lumOff val="10000"/>
+            </a:schemeClr>
+          </a:solidFill>
+        </p:spPr>
+        <p:style>
+          <a:lnRef idx="2">
+            <a:schemeClr val="accent1">
+              <a:shade val="15000"/>
+            </a:schemeClr>
+          </a:lnRef>
+          <a:fillRef idx="1">
+            <a:schemeClr val="accent1"/>
+          </a:fillRef>
+          <a:effectRef idx="0">
+            <a:schemeClr val="accent1"/>
+          </a:effectRef>
+          <a:fontRef idx="minor">
+            <a:schemeClr val="lt1"/>
+          </a:fontRef>
+        </p:style>
+        <p:txBody>
+          <a:bodyPr rtlCol="0" anchor="ctr"/>
+          <a:lstStyle/>
+          <a:p>
+            <a:pPr algn="ctr"/>
+            <a:r>
+              <a:rPr lang="en-US" sz="1400" dirty="0"/>
+              <a:t>V8 JavaScript Engine</a:t>
+            </a:r>
+          </a:p>
+        </p:txBody>
+      </p:sp>
+      <p:sp>
+        <p:nvSpPr>
+          <p:cNvPr id="11" name="Snip Diagonal Corner Rectangle 10">
+            <a:extLst>
+              <a:ext uri="{FF2B5EF4-FFF2-40B4-BE49-F238E27FC236}">
+                <a16:creationId xmlns:a16="http://schemas.microsoft.com/office/drawing/2014/main" id="{EC393C26-DCC1-BCDB-F91F-A9010A839090}"/>
+              </a:ext>
+            </a:extLst>
+          </p:cNvPr>
+          <p:cNvSpPr/>
+          <p:nvPr/>
+        </p:nvSpPr>
+        <p:spPr>
+          <a:xfrm>
+            <a:off x="3524623" y="3810857"/>
+            <a:ext cx="1882170" cy="1165224"/>
+          </a:xfrm>
+          <a:prstGeom prst="snip2DiagRect">
+            <a:avLst>
+              <a:gd name="adj1" fmla="val 15409"/>
+              <a:gd name="adj2" fmla="val 16667"/>
+            </a:avLst>
+          </a:prstGeom>
+          <a:solidFill>
+            <a:srgbClr val="C00000"/>
+          </a:solidFill>
+          <a:ln>
+            <a:solidFill>
+              <a:srgbClr val="6C0001"/>
+            </a:solidFill>
+          </a:ln>
+        </p:spPr>
+        <p:style>
+          <a:lnRef idx="2">
+            <a:schemeClr val="accent1">
+              <a:shade val="15000"/>
+            </a:schemeClr>
+          </a:lnRef>
+          <a:fillRef idx="1">
+            <a:schemeClr val="accent1"/>
+          </a:fillRef>
+          <a:effectRef idx="0">
+            <a:schemeClr val="accent1"/>
+          </a:effectRef>
+          <a:fontRef idx="minor">
+            <a:schemeClr val="lt1"/>
+          </a:fontRef>
+        </p:style>
+        <p:txBody>
+          <a:bodyPr rtlCol="0" anchor="ctr"/>
+          <a:lstStyle/>
+          <a:p>
+            <a:pPr algn="ctr"/>
+            <a:r>
+              <a:rPr lang="en-US" sz="1400" dirty="0"/>
+              <a:t>File System</a:t>
+            </a:r>
+          </a:p>
+          <a:p>
+            <a:pPr algn="ctr"/>
+            <a:r>
+              <a:rPr lang="en-US" sz="1400" dirty="0"/>
+              <a:t>Devices</a:t>
+            </a:r>
+          </a:p>
+          <a:p>
+            <a:pPr algn="ctr"/>
+            <a:r>
+              <a:rPr lang="en-US" sz="1400" dirty="0"/>
+              <a:t>Operating System API’s</a:t>
+            </a:r>
+          </a:p>
+        </p:txBody>
+      </p:sp>
+      <p:sp>
+        <p:nvSpPr>
+          <p:cNvPr id="12" name="Snip Diagonal Corner Rectangle 11">
+            <a:extLst>
+              <a:ext uri="{FF2B5EF4-FFF2-40B4-BE49-F238E27FC236}">
+                <a16:creationId xmlns:a16="http://schemas.microsoft.com/office/drawing/2014/main" id="{4A0C7052-7610-D762-6FC9-3634FAB3F97C}"/>
+              </a:ext>
+            </a:extLst>
+          </p:cNvPr>
+          <p:cNvSpPr/>
+          <p:nvPr/>
+        </p:nvSpPr>
+        <p:spPr>
+          <a:xfrm>
+            <a:off x="3524623" y="1383605"/>
+            <a:ext cx="1882170" cy="1165224"/>
+          </a:xfrm>
+          <a:prstGeom prst="snip2DiagRect">
+            <a:avLst>
+              <a:gd name="adj1" fmla="val 15409"/>
+              <a:gd name="adj2" fmla="val 16667"/>
+            </a:avLst>
+          </a:prstGeom>
+          <a:solidFill>
+            <a:srgbClr val="C00000"/>
+          </a:solidFill>
+          <a:ln>
+            <a:solidFill>
+              <a:srgbClr val="6C0001"/>
+            </a:solidFill>
+          </a:ln>
+        </p:spPr>
+        <p:style>
+          <a:lnRef idx="2">
+            <a:schemeClr val="accent1">
+              <a:shade val="15000"/>
+            </a:schemeClr>
+          </a:lnRef>
+          <a:fillRef idx="1">
+            <a:schemeClr val="accent1"/>
+          </a:fillRef>
+          <a:effectRef idx="0">
+            <a:schemeClr val="accent1"/>
+          </a:effectRef>
+          <a:fontRef idx="minor">
+            <a:schemeClr val="lt1"/>
+          </a:fontRef>
+        </p:style>
+        <p:txBody>
+          <a:bodyPr rtlCol="0" anchor="ctr"/>
+          <a:lstStyle/>
+          <a:p>
+            <a:pPr algn="ctr"/>
+            <a:r>
+              <a:rPr lang="en-US" sz="1400" dirty="0"/>
+              <a:t>File System</a:t>
+            </a:r>
+          </a:p>
+          <a:p>
+            <a:pPr algn="ctr"/>
+            <a:r>
+              <a:rPr lang="en-US" sz="1400" dirty="0"/>
+              <a:t>Devices</a:t>
+            </a:r>
+          </a:p>
+          <a:p>
+            <a:pPr algn="ctr"/>
+            <a:r>
+              <a:rPr lang="en-US" sz="1400" dirty="0"/>
+              <a:t>Operating System API’s</a:t>
+            </a:r>
+          </a:p>
+        </p:txBody>
+      </p:sp>
+      <p:sp>
+        <p:nvSpPr>
+          <p:cNvPr id="13" name="Snip Diagonal Corner Rectangle 12">
+            <a:extLst>
+              <a:ext uri="{FF2B5EF4-FFF2-40B4-BE49-F238E27FC236}">
+                <a16:creationId xmlns:a16="http://schemas.microsoft.com/office/drawing/2014/main" id="{230C2DE8-C5E9-6864-64D9-C3293EA96709}"/>
+              </a:ext>
+            </a:extLst>
+          </p:cNvPr>
+          <p:cNvSpPr/>
+          <p:nvPr/>
+        </p:nvSpPr>
+        <p:spPr>
+          <a:xfrm>
+            <a:off x="769066" y="1718055"/>
+            <a:ext cx="1802522" cy="743606"/>
+          </a:xfrm>
+          <a:prstGeom prst="snip2DiagRect">
+            <a:avLst>
+              <a:gd name="adj1" fmla="val 15409"/>
+              <a:gd name="adj2" fmla="val 16667"/>
+            </a:avLst>
+          </a:prstGeom>
+          <a:solidFill>
+            <a:schemeClr val="tx1">
+              <a:lumMod val="50000"/>
+              <a:lumOff val="50000"/>
+            </a:schemeClr>
+          </a:solidFill>
+        </p:spPr>
+        <p:style>
+          <a:lnRef idx="2">
+            <a:schemeClr val="accent1">
+              <a:shade val="15000"/>
+            </a:schemeClr>
+          </a:lnRef>
+          <a:fillRef idx="1">
+            <a:schemeClr val="accent1"/>
+          </a:fillRef>
+          <a:effectRef idx="0">
+            <a:schemeClr val="accent1"/>
+          </a:effectRef>
+          <a:fontRef idx="minor">
+            <a:schemeClr val="lt1"/>
+          </a:fontRef>
+        </p:style>
+        <p:txBody>
+          <a:bodyPr rtlCol="0" anchor="ctr"/>
+          <a:lstStyle/>
+          <a:p>
+            <a:pPr algn="ctr"/>
+            <a:r>
+              <a:rPr lang="en-US" sz="1400" dirty="0"/>
+              <a:t>HTML / CSS Renderer</a:t>
+            </a:r>
+          </a:p>
+        </p:txBody>
+      </p:sp>
+      <p:sp>
+        <p:nvSpPr>
+          <p:cNvPr id="14" name="Snip Diagonal Corner Rectangle 13">
+            <a:extLst>
+              <a:ext uri="{FF2B5EF4-FFF2-40B4-BE49-F238E27FC236}">
+                <a16:creationId xmlns:a16="http://schemas.microsoft.com/office/drawing/2014/main" id="{AD9B13FC-410E-B6BF-DB10-3D2B26459769}"/>
+              </a:ext>
+            </a:extLst>
+          </p:cNvPr>
+          <p:cNvSpPr/>
+          <p:nvPr/>
+        </p:nvSpPr>
+        <p:spPr>
+          <a:xfrm>
+            <a:off x="769066" y="907694"/>
+            <a:ext cx="1802522" cy="743606"/>
+          </a:xfrm>
+          <a:prstGeom prst="snip2DiagRect">
+            <a:avLst>
+              <a:gd name="adj1" fmla="val 15409"/>
+              <a:gd name="adj2" fmla="val 16667"/>
+            </a:avLst>
+          </a:prstGeom>
+          <a:solidFill>
+            <a:schemeClr val="tx1">
+              <a:lumMod val="50000"/>
+              <a:lumOff val="50000"/>
+            </a:schemeClr>
+          </a:solidFill>
+        </p:spPr>
+        <p:style>
+          <a:lnRef idx="2">
+            <a:schemeClr val="accent1">
+              <a:shade val="15000"/>
+            </a:schemeClr>
+          </a:lnRef>
+          <a:fillRef idx="1">
+            <a:schemeClr val="accent1"/>
+          </a:fillRef>
+          <a:effectRef idx="0">
+            <a:schemeClr val="accent1"/>
+          </a:effectRef>
+          <a:fontRef idx="minor">
+            <a:schemeClr val="lt1"/>
+          </a:fontRef>
+        </p:style>
+        <p:txBody>
+          <a:bodyPr rtlCol="0" anchor="ctr"/>
+          <a:lstStyle/>
+          <a:p>
+            <a:pPr algn="ctr"/>
+            <a:r>
+              <a:rPr lang="en-US" sz="1400" dirty="0"/>
+              <a:t>HTML Parser</a:t>
+            </a:r>
+          </a:p>
+        </p:txBody>
+      </p:sp>
+      <p:cxnSp>
+        <p:nvCxnSpPr>
+          <p:cNvPr id="16" name="Elbow Connector 15">
+            <a:extLst>
+              <a:ext uri="{FF2B5EF4-FFF2-40B4-BE49-F238E27FC236}">
+                <a16:creationId xmlns:a16="http://schemas.microsoft.com/office/drawing/2014/main" id="{709E1741-F455-D445-4205-749B85224E6A}"/>
+              </a:ext>
+            </a:extLst>
+          </p:cNvPr>
+          <p:cNvCxnSpPr>
+            <a:stCxn id="7" idx="3"/>
+            <a:endCxn id="12" idx="2"/>
+          </p:cNvCxnSpPr>
+          <p:nvPr/>
+        </p:nvCxnSpPr>
+        <p:spPr>
+          <a:xfrm flipV="1">
+            <a:off x="2973965" y="1966217"/>
+            <a:ext cx="550658" cy="1"/>
+          </a:xfrm>
+          <a:prstGeom prst="bentConnector3">
+            <a:avLst/>
+          </a:prstGeom>
+          <a:ln w="31750">
+            <a:solidFill>
+              <a:schemeClr val="tx1"/>
+            </a:solidFill>
+            <a:headEnd type="triangle"/>
+            <a:tailEnd type="triangle"/>
+          </a:ln>
+        </p:spPr>
+        <p:style>
+          <a:lnRef idx="2">
+            <a:schemeClr val="accent1"/>
+          </a:lnRef>
+          <a:fillRef idx="0">
+            <a:schemeClr val="accent1"/>
+          </a:fillRef>
+          <a:effectRef idx="1">
+            <a:schemeClr val="accent1"/>
+          </a:effectRef>
+          <a:fontRef idx="minor">
+            <a:schemeClr val="tx1"/>
+          </a:fontRef>
+        </p:style>
+      </p:cxnSp>
+      <p:cxnSp>
+        <p:nvCxnSpPr>
+          <p:cNvPr id="20" name="Elbow Connector 19">
+            <a:extLst>
+              <a:ext uri="{FF2B5EF4-FFF2-40B4-BE49-F238E27FC236}">
+                <a16:creationId xmlns:a16="http://schemas.microsoft.com/office/drawing/2014/main" id="{2C8B3A47-825E-71B4-15A3-ABFE87DC5B92}"/>
+              </a:ext>
+            </a:extLst>
+          </p:cNvPr>
+          <p:cNvCxnSpPr>
+            <a:cxnSpLocks/>
+            <a:stCxn id="10" idx="3"/>
+            <a:endCxn id="11" idx="2"/>
+          </p:cNvCxnSpPr>
+          <p:nvPr/>
+        </p:nvCxnSpPr>
+        <p:spPr>
+          <a:xfrm rot="5400000" flipH="1" flipV="1">
+            <a:off x="2413522" y="3650274"/>
+            <a:ext cx="367906" cy="1854296"/>
+          </a:xfrm>
+          <a:prstGeom prst="bentConnector2">
+            <a:avLst/>
+          </a:prstGeom>
+          <a:ln w="31750">
+            <a:solidFill>
+              <a:schemeClr val="tx1"/>
+            </a:solidFill>
+            <a:headEnd type="triangle"/>
+            <a:tailEnd type="triangle"/>
+          </a:ln>
+        </p:spPr>
+        <p:style>
+          <a:lnRef idx="2">
+            <a:schemeClr val="accent1"/>
+          </a:lnRef>
+          <a:fillRef idx="0">
+            <a:schemeClr val="accent1"/>
+          </a:fillRef>
+          <a:effectRef idx="1">
+            <a:schemeClr val="accent1"/>
+          </a:effectRef>
+          <a:fontRef idx="minor">
+            <a:schemeClr val="tx1"/>
+          </a:fontRef>
+        </p:style>
+      </p:cxnSp>
+      <p:sp>
+        <p:nvSpPr>
+          <p:cNvPr id="28" name="Rounded Rectangle 27">
+            <a:extLst>
+              <a:ext uri="{FF2B5EF4-FFF2-40B4-BE49-F238E27FC236}">
+                <a16:creationId xmlns:a16="http://schemas.microsoft.com/office/drawing/2014/main" id="{12320239-ED6F-1107-7E2D-286AFCAD7C37}"/>
+              </a:ext>
+            </a:extLst>
+          </p:cNvPr>
+          <p:cNvSpPr/>
+          <p:nvPr/>
+        </p:nvSpPr>
+        <p:spPr>
+          <a:xfrm>
+            <a:off x="1865870" y="4228621"/>
+            <a:ext cx="1006934" cy="363768"/>
+          </a:xfrm>
+          <a:prstGeom prst="roundRect">
+            <a:avLst/>
+          </a:prstGeom>
+        </p:spPr>
+        <p:style>
+          <a:lnRef idx="2">
+            <a:schemeClr val="accent6"/>
+          </a:lnRef>
+          <a:fillRef idx="1">
+            <a:schemeClr val="lt1"/>
+          </a:fillRef>
+          <a:effectRef idx="0">
+            <a:schemeClr val="accent6"/>
+          </a:effectRef>
+          <a:fontRef idx="minor">
+            <a:schemeClr val="dk1"/>
+          </a:fontRef>
+        </p:style>
+        <p:txBody>
+          <a:bodyPr rtlCol="0" anchor="ctr"/>
+          <a:lstStyle/>
+          <a:p>
+            <a:pPr algn="ctr"/>
+            <a:r>
+              <a:rPr lang="en-US" sz="1100" dirty="0"/>
+              <a:t>C++ Extensions</a:t>
+            </a:r>
+          </a:p>
+        </p:txBody>
+      </p:sp>
+    </p:spTree>
+    <p:extLst>
+      <p:ext uri="{BB962C8B-B14F-4D97-AF65-F5344CB8AC3E}">
+        <p14:creationId xmlns:p14="http://schemas.microsoft.com/office/powerpoint/2010/main" val="2603915484"/>
+      </p:ext>
+    </p:extLst>
+  </p:cSld>
+  <p:clrMapOvr>
+    <a:masterClrMapping/>
+  </p:clrMapOvr>
+</p:sld>
+</file>
+
+<file path=ppt/slides/slide7.xml><?xml version="1.0" encoding="utf-8"?>
+<p:sld xmlns:a="http://schemas.openxmlformats.org/drawingml/2006/main" xmlns:r="http://schemas.openxmlformats.org/officeDocument/2006/relationships" xmlns:p="http://schemas.openxmlformats.org/presentationml/2006/main">
+  <p:cSld>
+    <p:spTree>
+      <p:nvGrpSpPr>
+        <p:cNvPr id="1" name=""/>
+        <p:cNvGrpSpPr/>
+        <p:nvPr/>
+      </p:nvGrpSpPr>
+      <p:grpSpPr>
+        <a:xfrm>
+          <a:off x="0" y="0"/>
+          <a:ext cx="0" cy="0"/>
+          <a:chOff x="0" y="0"/>
+          <a:chExt cx="0" cy="0"/>
+        </a:xfrm>
+      </p:grpSpPr>
+      <p:sp>
+        <p:nvSpPr>
+          <p:cNvPr id="4" name="Date Placeholder 3">
+            <a:extLst>
+              <a:ext uri="{FF2B5EF4-FFF2-40B4-BE49-F238E27FC236}">
+                <a16:creationId xmlns:a16="http://schemas.microsoft.com/office/drawing/2014/main" id="{55BC5C4D-E8C7-798B-E4DF-AA32A8B41E88}"/>
+              </a:ext>
+            </a:extLst>
+          </p:cNvPr>
+          <p:cNvSpPr>
+            <a:spLocks noGrp="1"/>
+          </p:cNvSpPr>
+          <p:nvPr>
+            <p:ph type="dt" sz="half" idx="10"/>
+          </p:nvPr>
+        </p:nvSpPr>
+        <p:spPr/>
+        <p:txBody>
+          <a:bodyPr/>
+          <a:lstStyle/>
+          <a:p>
+            <a:fld id="{579F6069-8263-4296-913A-BC2234E8D32B}" type="datetime1">
+              <a:rPr lang="en-US" smtClean="0"/>
+              <a:t>10/4/24</a:t>
+            </a:fld>
+            <a:endParaRPr lang="en-US" dirty="0"/>
+          </a:p>
+        </p:txBody>
+      </p:sp>
+      <p:sp>
+        <p:nvSpPr>
+          <p:cNvPr id="6" name="Slide Number Placeholder 5">
+            <a:extLst>
+              <a:ext uri="{FF2B5EF4-FFF2-40B4-BE49-F238E27FC236}">
+                <a16:creationId xmlns:a16="http://schemas.microsoft.com/office/drawing/2014/main" id="{17ED4AFA-995F-39AC-7F1D-E3D42FE69F68}"/>
+              </a:ext>
+            </a:extLst>
+          </p:cNvPr>
+          <p:cNvSpPr>
+            <a:spLocks noGrp="1"/>
+          </p:cNvSpPr>
+          <p:nvPr>
+            <p:ph type="sldNum" sz="quarter" idx="12"/>
+          </p:nvPr>
+        </p:nvSpPr>
+        <p:spPr/>
+        <p:txBody>
+          <a:bodyPr/>
+          <a:lstStyle/>
+          <a:p>
+            <a:fld id="{C68AC1EC-23E2-4F0E-A5A4-674EC8DB954E}" type="slidenum">
+              <a:rPr lang="en-US" smtClean="0"/>
+              <a:t>7</a:t>
+            </a:fld>
+            <a:endParaRPr lang="en-US"/>
+          </a:p>
+        </p:txBody>
+      </p:sp>
+      <p:sp>
+        <p:nvSpPr>
+          <p:cNvPr id="7" name="TextBox 6">
+            <a:extLst>
+              <a:ext uri="{FF2B5EF4-FFF2-40B4-BE49-F238E27FC236}">
+                <a16:creationId xmlns:a16="http://schemas.microsoft.com/office/drawing/2014/main" id="{8E9364EF-E005-1036-F8B7-E909F8556B44}"/>
+              </a:ext>
+            </a:extLst>
+          </p:cNvPr>
+          <p:cNvSpPr txBox="1"/>
+          <p:nvPr/>
+        </p:nvSpPr>
+        <p:spPr>
+          <a:xfrm>
+            <a:off x="1273215" y="810228"/>
+            <a:ext cx="3352232" cy="4524315"/>
+          </a:xfrm>
+          <a:prstGeom prst="rect">
+            <a:avLst/>
+          </a:prstGeom>
+          <a:noFill/>
+        </p:spPr>
+        <p:txBody>
+          <a:bodyPr wrap="square" rtlCol="0">
+            <a:spAutoFit/>
+          </a:bodyPr>
+          <a:lstStyle/>
+          <a:p>
+            <a:r>
+              <a:rPr lang="en-US" dirty="0">
+                <a:solidFill>
+                  <a:schemeClr val="accent2"/>
+                </a:solidFill>
+                <a:latin typeface="Consolas" panose="020B0609020204030204" pitchFamily="49" charset="0"/>
+                <a:cs typeface="Consolas" panose="020B0609020204030204" pitchFamily="49" charset="0"/>
+              </a:rPr>
+              <a:t>const</a:t>
+            </a:r>
+            <a:r>
+              <a:rPr lang="en-US" dirty="0">
+                <a:latin typeface="Consolas" panose="020B0609020204030204" pitchFamily="49" charset="0"/>
+                <a:cs typeface="Consolas" panose="020B0609020204030204" pitchFamily="49" charset="0"/>
+              </a:rPr>
+              <a:t> obj = { a: </a:t>
+            </a:r>
+            <a:r>
+              <a:rPr lang="en-US" dirty="0">
+                <a:solidFill>
+                  <a:schemeClr val="accent2"/>
+                </a:solidFill>
+                <a:latin typeface="Consolas" panose="020B0609020204030204" pitchFamily="49" charset="0"/>
+                <a:cs typeface="Consolas" panose="020B0609020204030204" pitchFamily="49" charset="0"/>
+              </a:rPr>
+              <a:t>1</a:t>
+            </a:r>
+            <a:r>
+              <a:rPr lang="en-US" dirty="0">
+                <a:latin typeface="Consolas" panose="020B0609020204030204" pitchFamily="49" charset="0"/>
+                <a:cs typeface="Consolas" panose="020B0609020204030204" pitchFamily="49" charset="0"/>
+              </a:rPr>
+              <a:t>, b: </a:t>
+            </a:r>
+            <a:r>
+              <a:rPr lang="en-US" dirty="0">
+                <a:solidFill>
+                  <a:schemeClr val="accent2"/>
+                </a:solidFill>
+                <a:latin typeface="Consolas" panose="020B0609020204030204" pitchFamily="49" charset="0"/>
+                <a:cs typeface="Consolas" panose="020B0609020204030204" pitchFamily="49" charset="0"/>
+              </a:rPr>
+              <a:t>2</a:t>
+            </a:r>
+            <a:r>
+              <a:rPr lang="en-US" dirty="0">
+                <a:latin typeface="Consolas" panose="020B0609020204030204" pitchFamily="49" charset="0"/>
+                <a:cs typeface="Consolas" panose="020B0609020204030204" pitchFamily="49" charset="0"/>
+              </a:rPr>
+              <a:t>}</a:t>
+            </a:r>
+          </a:p>
+          <a:p>
+            <a:endParaRPr lang="en-US" dirty="0">
+              <a:latin typeface="Consolas" panose="020B0609020204030204" pitchFamily="49" charset="0"/>
+              <a:cs typeface="Consolas" panose="020B0609020204030204" pitchFamily="49" charset="0"/>
+            </a:endParaRPr>
+          </a:p>
+          <a:p>
+            <a:endParaRPr lang="en-US" dirty="0">
+              <a:latin typeface="Consolas" panose="020B0609020204030204" pitchFamily="49" charset="0"/>
+              <a:cs typeface="Consolas" panose="020B0609020204030204" pitchFamily="49" charset="0"/>
+            </a:endParaRPr>
+          </a:p>
+          <a:p>
+            <a:endParaRPr lang="en-US" dirty="0">
+              <a:latin typeface="Consolas" panose="020B0609020204030204" pitchFamily="49" charset="0"/>
+              <a:cs typeface="Consolas" panose="020B0609020204030204" pitchFamily="49" charset="0"/>
+            </a:endParaRPr>
+          </a:p>
+          <a:p>
+            <a:endParaRPr lang="en-US" dirty="0">
+              <a:latin typeface="Consolas" panose="020B0609020204030204" pitchFamily="49" charset="0"/>
+              <a:cs typeface="Consolas" panose="020B0609020204030204" pitchFamily="49" charset="0"/>
+            </a:endParaRPr>
+          </a:p>
+          <a:p>
+            <a:endParaRPr lang="en-US" dirty="0">
+              <a:latin typeface="Consolas" panose="020B0609020204030204" pitchFamily="49" charset="0"/>
+              <a:cs typeface="Consolas" panose="020B0609020204030204" pitchFamily="49" charset="0"/>
+            </a:endParaRPr>
+          </a:p>
+          <a:p>
+            <a:endParaRPr lang="en-US" dirty="0">
+              <a:latin typeface="Consolas" panose="020B0609020204030204" pitchFamily="49" charset="0"/>
+              <a:cs typeface="Consolas" panose="020B0609020204030204" pitchFamily="49" charset="0"/>
+            </a:endParaRPr>
+          </a:p>
+          <a:p>
+            <a:r>
+              <a:rPr lang="en-US" dirty="0" err="1">
+                <a:latin typeface="Consolas" panose="020B0609020204030204" pitchFamily="49" charset="0"/>
+                <a:cs typeface="Consolas" panose="020B0609020204030204" pitchFamily="49" charset="0"/>
+              </a:rPr>
+              <a:t>obj.x</a:t>
+            </a:r>
+            <a:r>
+              <a:rPr lang="en-US" dirty="0">
+                <a:latin typeface="Consolas" panose="020B0609020204030204" pitchFamily="49" charset="0"/>
+                <a:cs typeface="Consolas" panose="020B0609020204030204" pitchFamily="49" charset="0"/>
+              </a:rPr>
+              <a:t> = 7;</a:t>
+            </a:r>
+          </a:p>
+          <a:p>
+            <a:endParaRPr lang="en-US" dirty="0">
+              <a:latin typeface="Consolas" panose="020B0609020204030204" pitchFamily="49" charset="0"/>
+              <a:cs typeface="Consolas" panose="020B0609020204030204" pitchFamily="49" charset="0"/>
+            </a:endParaRPr>
+          </a:p>
+          <a:p>
+            <a:endParaRPr lang="en-US" dirty="0">
+              <a:latin typeface="Consolas" panose="020B0609020204030204" pitchFamily="49" charset="0"/>
+              <a:cs typeface="Consolas" panose="020B0609020204030204" pitchFamily="49" charset="0"/>
+            </a:endParaRPr>
+          </a:p>
+          <a:p>
+            <a:endParaRPr lang="en-US" dirty="0">
+              <a:latin typeface="Consolas" panose="020B0609020204030204" pitchFamily="49" charset="0"/>
+              <a:cs typeface="Consolas" panose="020B0609020204030204" pitchFamily="49" charset="0"/>
+            </a:endParaRPr>
+          </a:p>
+          <a:p>
+            <a:endParaRPr lang="en-US" dirty="0">
+              <a:latin typeface="Consolas" panose="020B0609020204030204" pitchFamily="49" charset="0"/>
+              <a:cs typeface="Consolas" panose="020B0609020204030204" pitchFamily="49" charset="0"/>
+            </a:endParaRPr>
+          </a:p>
+          <a:p>
+            <a:endParaRPr lang="en-US" dirty="0">
+              <a:latin typeface="Consolas" panose="020B0609020204030204" pitchFamily="49" charset="0"/>
+              <a:cs typeface="Consolas" panose="020B0609020204030204" pitchFamily="49" charset="0"/>
+            </a:endParaRPr>
+          </a:p>
+          <a:p>
+            <a:endParaRPr lang="en-US" dirty="0">
+              <a:latin typeface="Consolas" panose="020B0609020204030204" pitchFamily="49" charset="0"/>
+              <a:cs typeface="Consolas" panose="020B0609020204030204" pitchFamily="49" charset="0"/>
+            </a:endParaRPr>
+          </a:p>
+          <a:p>
+            <a:endParaRPr lang="en-US" dirty="0">
+              <a:latin typeface="Consolas" panose="020B0609020204030204" pitchFamily="49" charset="0"/>
+              <a:cs typeface="Consolas" panose="020B0609020204030204" pitchFamily="49" charset="0"/>
+            </a:endParaRPr>
+          </a:p>
+          <a:p>
+            <a:r>
+              <a:rPr lang="en-US" dirty="0">
+                <a:latin typeface="Consolas" panose="020B0609020204030204" pitchFamily="49" charset="0"/>
+                <a:cs typeface="Consolas" panose="020B0609020204030204" pitchFamily="49" charset="0"/>
+              </a:rPr>
+              <a:t>obj = {</a:t>
+            </a:r>
+            <a:r>
+              <a:rPr lang="en-US" dirty="0" err="1">
+                <a:latin typeface="Consolas" panose="020B0609020204030204" pitchFamily="49" charset="0"/>
+                <a:cs typeface="Consolas" panose="020B0609020204030204" pitchFamily="49" charset="0"/>
+              </a:rPr>
+              <a:t>foo:”bar</a:t>
+            </a:r>
+            <a:r>
+              <a:rPr lang="en-US" dirty="0">
+                <a:latin typeface="Consolas" panose="020B0609020204030204" pitchFamily="49" charset="0"/>
+                <a:cs typeface="Consolas" panose="020B0609020204030204" pitchFamily="49" charset="0"/>
+              </a:rPr>
+              <a:t>”}</a:t>
+            </a:r>
+          </a:p>
+        </p:txBody>
+      </p:sp>
+      <p:sp>
+        <p:nvSpPr>
+          <p:cNvPr id="8" name="Rectangle 7">
+            <a:extLst>
+              <a:ext uri="{FF2B5EF4-FFF2-40B4-BE49-F238E27FC236}">
+                <a16:creationId xmlns:a16="http://schemas.microsoft.com/office/drawing/2014/main" id="{E9E66BE6-989F-1500-9CC4-2ED59470BE56}"/>
+              </a:ext>
+            </a:extLst>
+          </p:cNvPr>
+          <p:cNvSpPr/>
+          <p:nvPr/>
+        </p:nvSpPr>
+        <p:spPr>
+          <a:xfrm>
+            <a:off x="4803494" y="810228"/>
+            <a:ext cx="1956121" cy="428263"/>
+          </a:xfrm>
+          <a:prstGeom prst="rect">
+            <a:avLst/>
+          </a:prstGeom>
+        </p:spPr>
+        <p:style>
+          <a:lnRef idx="2">
+            <a:schemeClr val="accent3">
+              <a:shade val="15000"/>
+            </a:schemeClr>
+          </a:lnRef>
+          <a:fillRef idx="1">
+            <a:schemeClr val="accent3"/>
+          </a:fillRef>
+          <a:effectRef idx="0">
+            <a:schemeClr val="accent3"/>
+          </a:effectRef>
+          <a:fontRef idx="minor">
+            <a:schemeClr val="lt1"/>
+          </a:fontRef>
+        </p:style>
+        <p:txBody>
+          <a:bodyPr rtlCol="0" anchor="ctr"/>
+          <a:lstStyle/>
+          <a:p>
+            <a:pPr algn="ctr"/>
+            <a:r>
+              <a:rPr lang="en-US" dirty="0"/>
+              <a:t>obj</a:t>
+            </a:r>
+          </a:p>
+        </p:txBody>
+      </p:sp>
+      <p:sp>
+        <p:nvSpPr>
+          <p:cNvPr id="10" name="Rectangle 9">
+            <a:extLst>
+              <a:ext uri="{FF2B5EF4-FFF2-40B4-BE49-F238E27FC236}">
+                <a16:creationId xmlns:a16="http://schemas.microsoft.com/office/drawing/2014/main" id="{7277498D-B5EB-9079-EB60-19B67CD536AA}"/>
+              </a:ext>
+            </a:extLst>
+          </p:cNvPr>
+          <p:cNvSpPr/>
+          <p:nvPr/>
+        </p:nvSpPr>
+        <p:spPr>
+          <a:xfrm>
+            <a:off x="8077393" y="370389"/>
+            <a:ext cx="1863524" cy="1307939"/>
+          </a:xfrm>
+          <a:prstGeom prst="rect">
+            <a:avLst/>
+          </a:prstGeom>
+        </p:spPr>
+        <p:style>
+          <a:lnRef idx="2">
+            <a:schemeClr val="accent2">
+              <a:shade val="15000"/>
+            </a:schemeClr>
+          </a:lnRef>
+          <a:fillRef idx="1">
+            <a:schemeClr val="accent2"/>
+          </a:fillRef>
+          <a:effectRef idx="0">
+            <a:schemeClr val="accent2"/>
+          </a:effectRef>
+          <a:fontRef idx="minor">
+            <a:schemeClr val="lt1"/>
+          </a:fontRef>
+        </p:style>
+        <p:txBody>
+          <a:bodyPr rtlCol="0" anchor="ctr"/>
+          <a:lstStyle/>
+          <a:p>
+            <a:pPr algn="ctr"/>
+            <a:r>
+              <a:rPr lang="en-US" dirty="0"/>
+              <a:t>a: 1</a:t>
+            </a:r>
+          </a:p>
+          <a:p>
+            <a:pPr algn="ctr"/>
+            <a:r>
+              <a:rPr lang="en-US" dirty="0"/>
+              <a:t>b: 2</a:t>
+            </a:r>
+          </a:p>
+        </p:txBody>
+      </p:sp>
+      <p:cxnSp>
+        <p:nvCxnSpPr>
+          <p:cNvPr id="12" name="Straight Arrow Connector 11">
+            <a:extLst>
+              <a:ext uri="{FF2B5EF4-FFF2-40B4-BE49-F238E27FC236}">
+                <a16:creationId xmlns:a16="http://schemas.microsoft.com/office/drawing/2014/main" id="{5D9AA3DE-130C-5BA2-EEA4-977E8F63291E}"/>
+              </a:ext>
+            </a:extLst>
+          </p:cNvPr>
+          <p:cNvCxnSpPr>
+            <a:stCxn id="8" idx="3"/>
+            <a:endCxn id="10" idx="1"/>
+          </p:cNvCxnSpPr>
+          <p:nvPr/>
+        </p:nvCxnSpPr>
+        <p:spPr>
+          <a:xfrm flipV="1">
+            <a:off x="6759615" y="1024359"/>
+            <a:ext cx="1317778" cy="1"/>
+          </a:xfrm>
+          <a:prstGeom prst="straightConnector1">
+            <a:avLst/>
+          </a:prstGeom>
+          <a:ln>
+            <a:solidFill>
+              <a:schemeClr val="tx1">
+                <a:lumMod val="95000"/>
+                <a:lumOff val="5000"/>
+              </a:schemeClr>
+            </a:solidFill>
+            <a:tailEnd type="triangle"/>
+          </a:ln>
+        </p:spPr>
+        <p:style>
+          <a:lnRef idx="2">
+            <a:schemeClr val="accent1"/>
+          </a:lnRef>
+          <a:fillRef idx="0">
+            <a:schemeClr val="accent1"/>
+          </a:fillRef>
+          <a:effectRef idx="1">
+            <a:schemeClr val="accent1"/>
+          </a:effectRef>
+          <a:fontRef idx="minor">
+            <a:schemeClr val="tx1"/>
+          </a:fontRef>
+        </p:style>
+      </p:cxnSp>
+      <p:sp>
+        <p:nvSpPr>
+          <p:cNvPr id="14" name="Rectangle 13">
+            <a:extLst>
+              <a:ext uri="{FF2B5EF4-FFF2-40B4-BE49-F238E27FC236}">
+                <a16:creationId xmlns:a16="http://schemas.microsoft.com/office/drawing/2014/main" id="{8DD3F330-D508-3F02-4FF0-8BC3DD0BE9F7}"/>
+              </a:ext>
+            </a:extLst>
+          </p:cNvPr>
+          <p:cNvSpPr/>
+          <p:nvPr/>
+        </p:nvSpPr>
+        <p:spPr>
+          <a:xfrm>
+            <a:off x="4803494" y="2611015"/>
+            <a:ext cx="1956121" cy="428263"/>
+          </a:xfrm>
+          <a:prstGeom prst="rect">
+            <a:avLst/>
+          </a:prstGeom>
+        </p:spPr>
+        <p:style>
+          <a:lnRef idx="2">
+            <a:schemeClr val="accent3">
+              <a:shade val="15000"/>
+            </a:schemeClr>
+          </a:lnRef>
+          <a:fillRef idx="1">
+            <a:schemeClr val="accent3"/>
+          </a:fillRef>
+          <a:effectRef idx="0">
+            <a:schemeClr val="accent3"/>
+          </a:effectRef>
+          <a:fontRef idx="minor">
+            <a:schemeClr val="lt1"/>
+          </a:fontRef>
+        </p:style>
+        <p:txBody>
+          <a:bodyPr rtlCol="0" anchor="ctr"/>
+          <a:lstStyle/>
+          <a:p>
+            <a:pPr algn="ctr"/>
+            <a:r>
+              <a:rPr lang="en-US" dirty="0"/>
+              <a:t>obj</a:t>
+            </a:r>
+          </a:p>
+        </p:txBody>
+      </p:sp>
+      <p:sp>
+        <p:nvSpPr>
+          <p:cNvPr id="15" name="Rectangle 14">
+            <a:extLst>
+              <a:ext uri="{FF2B5EF4-FFF2-40B4-BE49-F238E27FC236}">
+                <a16:creationId xmlns:a16="http://schemas.microsoft.com/office/drawing/2014/main" id="{0F6FFBE6-D3ED-8DD7-330F-011AA56D433C}"/>
+              </a:ext>
+            </a:extLst>
+          </p:cNvPr>
+          <p:cNvSpPr/>
+          <p:nvPr/>
+        </p:nvSpPr>
+        <p:spPr>
+          <a:xfrm>
+            <a:off x="8077393" y="2171176"/>
+            <a:ext cx="1863524" cy="1307939"/>
+          </a:xfrm>
+          <a:prstGeom prst="rect">
+            <a:avLst/>
+          </a:prstGeom>
+        </p:spPr>
+        <p:style>
+          <a:lnRef idx="2">
+            <a:schemeClr val="accent2">
+              <a:shade val="15000"/>
+            </a:schemeClr>
+          </a:lnRef>
+          <a:fillRef idx="1">
+            <a:schemeClr val="accent2"/>
+          </a:fillRef>
+          <a:effectRef idx="0">
+            <a:schemeClr val="accent2"/>
+          </a:effectRef>
+          <a:fontRef idx="minor">
+            <a:schemeClr val="lt1"/>
+          </a:fontRef>
+        </p:style>
+        <p:txBody>
+          <a:bodyPr rtlCol="0" anchor="ctr"/>
+          <a:lstStyle/>
+          <a:p>
+            <a:pPr algn="ctr"/>
+            <a:r>
+              <a:rPr lang="en-US" dirty="0"/>
+              <a:t>a: 1</a:t>
+            </a:r>
+          </a:p>
+          <a:p>
+            <a:pPr algn="ctr"/>
+            <a:r>
+              <a:rPr lang="en-US" dirty="0"/>
+              <a:t>b: 2</a:t>
+            </a:r>
+          </a:p>
+          <a:p>
+            <a:pPr algn="ctr"/>
+            <a:r>
+              <a:rPr lang="en-US" dirty="0"/>
+              <a:t>x: 7</a:t>
+            </a:r>
+          </a:p>
+        </p:txBody>
+      </p:sp>
+      <p:cxnSp>
+        <p:nvCxnSpPr>
+          <p:cNvPr id="16" name="Straight Arrow Connector 15">
+            <a:extLst>
+              <a:ext uri="{FF2B5EF4-FFF2-40B4-BE49-F238E27FC236}">
+                <a16:creationId xmlns:a16="http://schemas.microsoft.com/office/drawing/2014/main" id="{0EFD6441-06A9-8EF2-614C-9FFB1E622DD5}"/>
+              </a:ext>
+            </a:extLst>
+          </p:cNvPr>
+          <p:cNvCxnSpPr/>
+          <p:nvPr/>
+        </p:nvCxnSpPr>
+        <p:spPr>
+          <a:xfrm flipV="1">
+            <a:off x="6759615" y="2825145"/>
+            <a:ext cx="1317778" cy="1"/>
+          </a:xfrm>
+          <a:prstGeom prst="straightConnector1">
+            <a:avLst/>
+          </a:prstGeom>
+          <a:ln>
+            <a:solidFill>
+              <a:schemeClr val="tx1">
+                <a:lumMod val="95000"/>
+                <a:lumOff val="5000"/>
+              </a:schemeClr>
+            </a:solidFill>
+            <a:tailEnd type="triangle"/>
+          </a:ln>
+        </p:spPr>
+        <p:style>
+          <a:lnRef idx="2">
+            <a:schemeClr val="accent1"/>
+          </a:lnRef>
+          <a:fillRef idx="0">
+            <a:schemeClr val="accent1"/>
+          </a:fillRef>
+          <a:effectRef idx="1">
+            <a:schemeClr val="accent1"/>
+          </a:effectRef>
+          <a:fontRef idx="minor">
+            <a:schemeClr val="tx1"/>
+          </a:fontRef>
+        </p:style>
+      </p:cxnSp>
+      <p:sp>
+        <p:nvSpPr>
+          <p:cNvPr id="17" name="TextBox 16">
+            <a:extLst>
+              <a:ext uri="{FF2B5EF4-FFF2-40B4-BE49-F238E27FC236}">
+                <a16:creationId xmlns:a16="http://schemas.microsoft.com/office/drawing/2014/main" id="{20F52C2B-0834-420D-9742-A2029BEA019E}"/>
+              </a:ext>
+            </a:extLst>
+          </p:cNvPr>
+          <p:cNvSpPr txBox="1"/>
+          <p:nvPr/>
+        </p:nvSpPr>
+        <p:spPr>
+          <a:xfrm>
+            <a:off x="4684796" y="3082593"/>
+            <a:ext cx="3273899" cy="1200329"/>
+          </a:xfrm>
+          <a:prstGeom prst="rect">
+            <a:avLst/>
+          </a:prstGeom>
+          <a:noFill/>
+        </p:spPr>
+        <p:txBody>
+          <a:bodyPr wrap="square" rtlCol="0">
+            <a:spAutoFit/>
+          </a:bodyPr>
+          <a:lstStyle/>
+          <a:p>
+            <a:r>
+              <a:rPr lang="en-US" dirty="0"/>
+              <a:t>This is fine, obj still points to the</a:t>
+            </a:r>
+          </a:p>
+          <a:p>
+            <a:r>
+              <a:rPr lang="en-US" dirty="0"/>
+              <a:t>same location, it’s just the </a:t>
+            </a:r>
+            <a:r>
+              <a:rPr lang="en-US" b="1" dirty="0"/>
+              <a:t>contents</a:t>
+            </a:r>
+            <a:r>
+              <a:rPr lang="en-US" dirty="0"/>
+              <a:t> of the object that have changed</a:t>
+            </a:r>
+          </a:p>
+        </p:txBody>
+      </p:sp>
+      <p:sp>
+        <p:nvSpPr>
+          <p:cNvPr id="18" name="Rectangle 17">
+            <a:extLst>
+              <a:ext uri="{FF2B5EF4-FFF2-40B4-BE49-F238E27FC236}">
+                <a16:creationId xmlns:a16="http://schemas.microsoft.com/office/drawing/2014/main" id="{43BEE135-0373-B924-8DB1-A1557FD14A31}"/>
+              </a:ext>
+            </a:extLst>
+          </p:cNvPr>
+          <p:cNvSpPr/>
+          <p:nvPr/>
+        </p:nvSpPr>
+        <p:spPr>
+          <a:xfrm>
+            <a:off x="4803494" y="4843504"/>
+            <a:ext cx="1956121" cy="428263"/>
+          </a:xfrm>
+          <a:prstGeom prst="rect">
+            <a:avLst/>
+          </a:prstGeom>
+        </p:spPr>
+        <p:style>
+          <a:lnRef idx="2">
+            <a:schemeClr val="accent3">
+              <a:shade val="15000"/>
+            </a:schemeClr>
+          </a:lnRef>
+          <a:fillRef idx="1">
+            <a:schemeClr val="accent3"/>
+          </a:fillRef>
+          <a:effectRef idx="0">
+            <a:schemeClr val="accent3"/>
+          </a:effectRef>
+          <a:fontRef idx="minor">
+            <a:schemeClr val="lt1"/>
+          </a:fontRef>
+        </p:style>
+        <p:txBody>
+          <a:bodyPr rtlCol="0" anchor="ctr"/>
+          <a:lstStyle/>
+          <a:p>
+            <a:pPr algn="ctr"/>
+            <a:r>
+              <a:rPr lang="en-US" dirty="0"/>
+              <a:t>obj</a:t>
+            </a:r>
+          </a:p>
+        </p:txBody>
+      </p:sp>
+      <p:sp>
+        <p:nvSpPr>
+          <p:cNvPr id="19" name="Rectangle 18">
+            <a:extLst>
+              <a:ext uri="{FF2B5EF4-FFF2-40B4-BE49-F238E27FC236}">
+                <a16:creationId xmlns:a16="http://schemas.microsoft.com/office/drawing/2014/main" id="{4E2786D2-EC06-44F5-07C6-A438626E99B3}"/>
+              </a:ext>
+            </a:extLst>
+          </p:cNvPr>
+          <p:cNvSpPr/>
+          <p:nvPr/>
+        </p:nvSpPr>
+        <p:spPr>
+          <a:xfrm>
+            <a:off x="8077393" y="4403665"/>
+            <a:ext cx="1863524" cy="1307939"/>
+          </a:xfrm>
+          <a:prstGeom prst="rect">
+            <a:avLst/>
+          </a:prstGeom>
+        </p:spPr>
+        <p:style>
+          <a:lnRef idx="2">
+            <a:schemeClr val="accent2">
+              <a:shade val="15000"/>
+            </a:schemeClr>
+          </a:lnRef>
+          <a:fillRef idx="1">
+            <a:schemeClr val="accent2"/>
+          </a:fillRef>
+          <a:effectRef idx="0">
+            <a:schemeClr val="accent2"/>
+          </a:effectRef>
+          <a:fontRef idx="minor">
+            <a:schemeClr val="lt1"/>
+          </a:fontRef>
+        </p:style>
+        <p:txBody>
+          <a:bodyPr rtlCol="0" anchor="ctr"/>
+          <a:lstStyle/>
+          <a:p>
+            <a:pPr algn="ctr"/>
+            <a:r>
+              <a:rPr lang="en-US" dirty="0"/>
+              <a:t>a: 1</a:t>
+            </a:r>
+          </a:p>
+          <a:p>
+            <a:pPr algn="ctr"/>
+            <a:r>
+              <a:rPr lang="en-US" dirty="0"/>
+              <a:t>b: 2</a:t>
+            </a:r>
+          </a:p>
+          <a:p>
+            <a:pPr algn="ctr"/>
+            <a:r>
+              <a:rPr lang="en-US" dirty="0"/>
+              <a:t>x: 7</a:t>
+            </a:r>
+          </a:p>
+        </p:txBody>
+      </p:sp>
+      <p:cxnSp>
+        <p:nvCxnSpPr>
+          <p:cNvPr id="20" name="Straight Arrow Connector 19">
+            <a:extLst>
+              <a:ext uri="{FF2B5EF4-FFF2-40B4-BE49-F238E27FC236}">
+                <a16:creationId xmlns:a16="http://schemas.microsoft.com/office/drawing/2014/main" id="{6FD6A1C7-ED6A-4FD8-57DE-61AB1B7B74C7}"/>
+              </a:ext>
+            </a:extLst>
+          </p:cNvPr>
+          <p:cNvCxnSpPr>
+            <a:cxnSpLocks/>
+            <a:endCxn id="19" idx="1"/>
+          </p:cNvCxnSpPr>
+          <p:nvPr/>
+        </p:nvCxnSpPr>
+        <p:spPr>
+          <a:xfrm>
+            <a:off x="6759615" y="5057635"/>
+            <a:ext cx="1317778" cy="0"/>
+          </a:xfrm>
+          <a:prstGeom prst="straightConnector1">
+            <a:avLst/>
+          </a:prstGeom>
+          <a:ln>
+            <a:solidFill>
+              <a:schemeClr val="tx1">
+                <a:lumMod val="50000"/>
+                <a:lumOff val="50000"/>
+              </a:schemeClr>
+            </a:solidFill>
+            <a:prstDash val="dash"/>
+            <a:tailEnd type="triangle"/>
+          </a:ln>
+        </p:spPr>
+        <p:style>
+          <a:lnRef idx="2">
+            <a:schemeClr val="accent1"/>
+          </a:lnRef>
+          <a:fillRef idx="0">
+            <a:schemeClr val="accent1"/>
+          </a:fillRef>
+          <a:effectRef idx="1">
+            <a:schemeClr val="accent1"/>
+          </a:effectRef>
+          <a:fontRef idx="minor">
+            <a:schemeClr val="tx1"/>
+          </a:fontRef>
+        </p:style>
+      </p:cxnSp>
+      <p:sp>
+        <p:nvSpPr>
+          <p:cNvPr id="21" name="TextBox 20">
+            <a:extLst>
+              <a:ext uri="{FF2B5EF4-FFF2-40B4-BE49-F238E27FC236}">
+                <a16:creationId xmlns:a16="http://schemas.microsoft.com/office/drawing/2014/main" id="{E9452B95-59BD-BC08-35E0-275F79E48D27}"/>
+              </a:ext>
+            </a:extLst>
+          </p:cNvPr>
+          <p:cNvSpPr txBox="1"/>
+          <p:nvPr/>
+        </p:nvSpPr>
+        <p:spPr>
+          <a:xfrm>
+            <a:off x="4684796" y="5378024"/>
+            <a:ext cx="3273899" cy="923330"/>
+          </a:xfrm>
+          <a:prstGeom prst="rect">
+            <a:avLst/>
+          </a:prstGeom>
+          <a:noFill/>
+        </p:spPr>
+        <p:txBody>
+          <a:bodyPr wrap="square" rtlCol="0">
+            <a:spAutoFit/>
+          </a:bodyPr>
+          <a:lstStyle/>
+          <a:p>
+            <a:r>
+              <a:rPr lang="en-US" dirty="0"/>
+              <a:t>This is an </a:t>
+            </a:r>
+            <a:r>
+              <a:rPr lang="en-US" b="1" dirty="0"/>
+              <a:t>error</a:t>
+            </a:r>
+            <a:r>
+              <a:rPr lang="en-US" dirty="0"/>
+              <a:t>, obj</a:t>
+            </a:r>
+          </a:p>
+          <a:p>
+            <a:r>
+              <a:rPr lang="en-US" dirty="0"/>
+              <a:t>is being changed to point</a:t>
+            </a:r>
+          </a:p>
+          <a:p>
+            <a:r>
+              <a:rPr lang="en-US" dirty="0"/>
+              <a:t>to different object!</a:t>
+            </a:r>
+          </a:p>
+        </p:txBody>
+      </p:sp>
+      <p:sp>
+        <p:nvSpPr>
+          <p:cNvPr id="22" name="Rectangle 21">
+            <a:extLst>
+              <a:ext uri="{FF2B5EF4-FFF2-40B4-BE49-F238E27FC236}">
+                <a16:creationId xmlns:a16="http://schemas.microsoft.com/office/drawing/2014/main" id="{49ED23A7-87DC-7050-0779-675D6AF5E876}"/>
+              </a:ext>
+            </a:extLst>
+          </p:cNvPr>
+          <p:cNvSpPr/>
+          <p:nvPr/>
+        </p:nvSpPr>
+        <p:spPr>
+          <a:xfrm>
+            <a:off x="8077393" y="5759946"/>
+            <a:ext cx="1863524" cy="600164"/>
+          </a:xfrm>
+          <a:prstGeom prst="rect">
+            <a:avLst/>
+          </a:prstGeom>
+        </p:spPr>
+        <p:style>
+          <a:lnRef idx="2">
+            <a:schemeClr val="accent2">
+              <a:shade val="15000"/>
+            </a:schemeClr>
+          </a:lnRef>
+          <a:fillRef idx="1">
+            <a:schemeClr val="accent2"/>
+          </a:fillRef>
+          <a:effectRef idx="0">
+            <a:schemeClr val="accent2"/>
+          </a:effectRef>
+          <a:fontRef idx="minor">
+            <a:schemeClr val="lt1"/>
+          </a:fontRef>
+        </p:style>
+        <p:txBody>
+          <a:bodyPr rtlCol="0" anchor="ctr"/>
+          <a:lstStyle/>
+          <a:p>
+            <a:pPr algn="ctr"/>
+            <a:r>
+              <a:rPr lang="en-US" dirty="0" err="1"/>
+              <a:t>Foo:”bar</a:t>
+            </a:r>
+            <a:r>
+              <a:rPr lang="en-US" dirty="0"/>
+              <a:t>”</a:t>
+            </a:r>
+          </a:p>
+        </p:txBody>
+      </p:sp>
+      <p:cxnSp>
+        <p:nvCxnSpPr>
+          <p:cNvPr id="24" name="Straight Arrow Connector 23">
+            <a:extLst>
+              <a:ext uri="{FF2B5EF4-FFF2-40B4-BE49-F238E27FC236}">
+                <a16:creationId xmlns:a16="http://schemas.microsoft.com/office/drawing/2014/main" id="{06957F5F-A639-8562-4C8B-EC05EE061477}"/>
+              </a:ext>
+            </a:extLst>
+          </p:cNvPr>
+          <p:cNvCxnSpPr>
+            <a:cxnSpLocks/>
+            <a:stCxn id="18" idx="3"/>
+          </p:cNvCxnSpPr>
+          <p:nvPr/>
+        </p:nvCxnSpPr>
+        <p:spPr>
+          <a:xfrm>
+            <a:off x="6759615" y="5057636"/>
+            <a:ext cx="1317778" cy="924313"/>
+          </a:xfrm>
+          <a:prstGeom prst="straightConnector1">
+            <a:avLst/>
+          </a:prstGeom>
+          <a:ln>
+            <a:solidFill>
+              <a:schemeClr val="tx1"/>
+            </a:solidFill>
+            <a:tailEnd type="triangle"/>
+          </a:ln>
+        </p:spPr>
+        <p:style>
+          <a:lnRef idx="2">
+            <a:schemeClr val="accent1"/>
+          </a:lnRef>
+          <a:fillRef idx="0">
+            <a:schemeClr val="accent1"/>
+          </a:fillRef>
+          <a:effectRef idx="1">
+            <a:schemeClr val="accent1"/>
+          </a:effectRef>
+          <a:fontRef idx="minor">
+            <a:schemeClr val="tx1"/>
+          </a:fontRef>
+        </p:style>
+      </p:cxnSp>
+      <p:sp>
+        <p:nvSpPr>
+          <p:cNvPr id="27" name="TextBox 26">
+            <a:extLst>
+              <a:ext uri="{FF2B5EF4-FFF2-40B4-BE49-F238E27FC236}">
+                <a16:creationId xmlns:a16="http://schemas.microsoft.com/office/drawing/2014/main" id="{B5A9519B-F5A7-A95A-62B2-777414D305AA}"/>
+              </a:ext>
+            </a:extLst>
+          </p:cNvPr>
+          <p:cNvSpPr txBox="1"/>
+          <p:nvPr/>
+        </p:nvSpPr>
+        <p:spPr>
+          <a:xfrm>
+            <a:off x="254535" y="4880607"/>
+            <a:ext cx="800219" cy="830997"/>
+          </a:xfrm>
+          <a:prstGeom prst="rect">
+            <a:avLst/>
+          </a:prstGeom>
+          <a:noFill/>
+        </p:spPr>
+        <p:txBody>
+          <a:bodyPr wrap="none" rtlCol="0">
+            <a:spAutoFit/>
+          </a:bodyPr>
+          <a:lstStyle/>
+          <a:p>
+            <a:r>
+              <a:rPr lang="en-US" sz="4800" dirty="0">
+                <a:solidFill>
+                  <a:srgbClr val="6C0001"/>
+                </a:solidFill>
+              </a:rPr>
+              <a:t>🛑</a:t>
+            </a:r>
+          </a:p>
+        </p:txBody>
+      </p:sp>
+      <p:sp>
+        <p:nvSpPr>
+          <p:cNvPr id="28" name="TextBox 27">
+            <a:extLst>
+              <a:ext uri="{FF2B5EF4-FFF2-40B4-BE49-F238E27FC236}">
+                <a16:creationId xmlns:a16="http://schemas.microsoft.com/office/drawing/2014/main" id="{2EB624C3-FDB8-ABC9-0CE6-73B07F90C648}"/>
+              </a:ext>
+            </a:extLst>
+          </p:cNvPr>
+          <p:cNvSpPr txBox="1"/>
+          <p:nvPr/>
+        </p:nvSpPr>
+        <p:spPr>
+          <a:xfrm>
+            <a:off x="254536" y="2667094"/>
+            <a:ext cx="800219" cy="830997"/>
+          </a:xfrm>
+          <a:prstGeom prst="rect">
+            <a:avLst/>
+          </a:prstGeom>
+          <a:noFill/>
+        </p:spPr>
+        <p:txBody>
+          <a:bodyPr wrap="none" rtlCol="0">
+            <a:spAutoFit/>
+          </a:bodyPr>
+          <a:lstStyle/>
+          <a:p>
+            <a:r>
+              <a:rPr lang="en-US" sz="4800" dirty="0">
+                <a:solidFill>
+                  <a:srgbClr val="6C0001"/>
+                </a:solidFill>
+              </a:rPr>
+              <a:t>✅</a:t>
+            </a:r>
+          </a:p>
+        </p:txBody>
+      </p:sp>
+    </p:spTree>
+    <p:extLst>
+      <p:ext uri="{BB962C8B-B14F-4D97-AF65-F5344CB8AC3E}">
+        <p14:creationId xmlns:p14="http://schemas.microsoft.com/office/powerpoint/2010/main" val="1837169612"/>
       </p:ext>
     </p:extLst>
   </p:cSld>

--- a/materials/graphicspptx.pptx
+++ b/materials/graphicspptx.pptx
@@ -12,6 +12,7 @@
     <p:sldId id="260" r:id="rId6"/>
     <p:sldId id="261" r:id="rId7"/>
     <p:sldId id="262" r:id="rId8"/>
+    <p:sldId id="263" r:id="rId9"/>
   </p:sldIdLst>
   <p:sldSz cx="12192000" cy="6858000"/>
   <p:notesSz cx="6858000" cy="9144000"/>
@@ -269,7 +270,7 @@
           <a:p>
             <a:fld id="{1ECB5883-038C-4696-8E27-1811E470D6D4}" type="datetime1">
               <a:rPr lang="en-US" smtClean="0"/>
-              <a:t>10/2/24</a:t>
+              <a:t>11/22/24</a:t>
             </a:fld>
             <a:endParaRPr lang="en-US"/>
           </a:p>
@@ -470,7 +471,7 @@
           <a:p>
             <a:fld id="{61E8A6D4-154B-4E4D-9001-7A6C328D243E}" type="datetime1">
               <a:rPr lang="en-US" smtClean="0"/>
-              <a:t>10/2/24</a:t>
+              <a:t>11/22/24</a:t>
             </a:fld>
             <a:endParaRPr lang="en-US"/>
           </a:p>
@@ -681,7 +682,7 @@
           <a:p>
             <a:fld id="{EF880999-9BD6-4929-BDEC-B84E21C16701}" type="datetime1">
               <a:rPr lang="en-US" smtClean="0"/>
-              <a:t>10/2/24</a:t>
+              <a:t>11/22/24</a:t>
             </a:fld>
             <a:endParaRPr lang="en-US"/>
           </a:p>
@@ -882,7 +883,7 @@
           <a:p>
             <a:fld id="{579F6069-8263-4296-913A-BC2234E8D32B}" type="datetime1">
               <a:rPr lang="en-US" smtClean="0"/>
-              <a:t>10/2/24</a:t>
+              <a:t>11/22/24</a:t>
             </a:fld>
             <a:endParaRPr lang="en-US"/>
           </a:p>
@@ -1162,7 +1163,7 @@
           <a:p>
             <a:fld id="{BC9F5005-EC25-4FB9-B19B-2437F0B120D2}" type="datetime1">
               <a:rPr lang="en-US" smtClean="0"/>
-              <a:t>10/2/24</a:t>
+              <a:t>11/22/24</a:t>
             </a:fld>
             <a:endParaRPr lang="en-US"/>
           </a:p>
@@ -1430,7 +1431,7 @@
           <a:p>
             <a:fld id="{0B283B5C-2325-42FF-AF91-C1451D9D66CC}" type="datetime1">
               <a:rPr lang="en-US" smtClean="0"/>
-              <a:t>10/2/24</a:t>
+              <a:t>11/22/24</a:t>
             </a:fld>
             <a:endParaRPr lang="en-US"/>
           </a:p>
@@ -1849,7 +1850,7 @@
           <a:p>
             <a:fld id="{0F88DB08-3B01-46DD-99F2-F6F6334EA669}" type="datetime1">
               <a:rPr lang="en-US" smtClean="0"/>
-              <a:t>10/2/24</a:t>
+              <a:t>11/22/24</a:t>
             </a:fld>
             <a:endParaRPr lang="en-US"/>
           </a:p>
@@ -1993,7 +1994,7 @@
           <a:p>
             <a:fld id="{5892AC11-ACC3-4129-BBD7-C580BF1A4EE7}" type="datetime1">
               <a:rPr lang="en-US" smtClean="0"/>
-              <a:t>10/2/24</a:t>
+              <a:t>11/22/24</a:t>
             </a:fld>
             <a:endParaRPr lang="en-US"/>
           </a:p>
@@ -2109,7 +2110,7 @@
           <a:p>
             <a:fld id="{6D80F7F3-E406-44E2-93AF-674B3F1A2E51}" type="datetime1">
               <a:rPr lang="en-US" smtClean="0"/>
-              <a:t>10/2/24</a:t>
+              <a:t>11/22/24</a:t>
             </a:fld>
             <a:endParaRPr lang="en-US"/>
           </a:p>
@@ -2427,7 +2428,7 @@
           <a:p>
             <a:fld id="{2FB1DD93-7C9D-4E53-81F0-DDE57FEA7EDB}" type="datetime1">
               <a:rPr lang="en-US" smtClean="0"/>
-              <a:t>10/2/24</a:t>
+              <a:t>11/22/24</a:t>
             </a:fld>
             <a:endParaRPr lang="en-US"/>
           </a:p>
@@ -2720,7 +2721,7 @@
           <a:p>
             <a:fld id="{3DF7BC28-59DE-4F83-B4A1-497203279FAD}" type="datetime1">
               <a:rPr lang="en-US" smtClean="0"/>
-              <a:t>10/2/24</a:t>
+              <a:t>11/22/24</a:t>
             </a:fld>
             <a:endParaRPr lang="en-US"/>
           </a:p>
@@ -3020,7 +3021,7 @@
           <a:p>
             <a:fld id="{0BDC4764-F656-4735-9820-9886F8DF1D6A}" type="datetime1">
               <a:rPr lang="en-US" smtClean="0"/>
-              <a:t>10/2/24</a:t>
+              <a:t>11/22/24</a:t>
             </a:fld>
             <a:endParaRPr lang="en-US" dirty="0"/>
           </a:p>
@@ -3705,7 +3706,7 @@
           <a:p>
             <a:fld id="{579F6069-8263-4296-913A-BC2234E8D32B}" type="datetime1">
               <a:rPr lang="en-US" smtClean="0"/>
-              <a:t>10/2/24</a:t>
+              <a:t>11/22/24</a:t>
             </a:fld>
             <a:endParaRPr lang="en-US"/>
           </a:p>
@@ -6474,7 +6475,7 @@
           <a:p>
             <a:fld id="{579F6069-8263-4296-913A-BC2234E8D32B}" type="datetime1">
               <a:rPr lang="en-US" smtClean="0"/>
-              <a:t>10/2/24</a:t>
+              <a:t>11/22/24</a:t>
             </a:fld>
             <a:endParaRPr lang="en-US"/>
           </a:p>
@@ -7752,7 +7753,7 @@
           <a:p>
             <a:fld id="{579F6069-8263-4296-913A-BC2234E8D32B}" type="datetime1">
               <a:rPr lang="en-US" smtClean="0"/>
-              <a:t>10/2/24</a:t>
+              <a:t>11/22/24</a:t>
             </a:fld>
             <a:endParaRPr lang="en-US"/>
           </a:p>
@@ -8502,7 +8503,7 @@
           <a:p>
             <a:fld id="{579F6069-8263-4296-913A-BC2234E8D32B}" type="datetime1">
               <a:rPr lang="en-US" smtClean="0"/>
-              <a:t>10/4/24</a:t>
+              <a:t>11/22/24</a:t>
             </a:fld>
             <a:endParaRPr lang="en-US" dirty="0"/>
           </a:p>
@@ -9491,6 +9492,972 @@
     <p:extLst>
       <p:ext uri="{BB962C8B-B14F-4D97-AF65-F5344CB8AC3E}">
         <p14:creationId xmlns:p14="http://schemas.microsoft.com/office/powerpoint/2010/main" val="1837169612"/>
+      </p:ext>
+    </p:extLst>
+  </p:cSld>
+  <p:clrMapOvr>
+    <a:masterClrMapping/>
+  </p:clrMapOvr>
+</p:sld>
+</file>
+
+<file path=ppt/slides/slide8.xml><?xml version="1.0" encoding="utf-8"?>
+<p:sld xmlns:a="http://schemas.openxmlformats.org/drawingml/2006/main" xmlns:r="http://schemas.openxmlformats.org/officeDocument/2006/relationships" xmlns:p="http://schemas.openxmlformats.org/presentationml/2006/main">
+  <p:cSld>
+    <p:spTree>
+      <p:nvGrpSpPr>
+        <p:cNvPr id="1" name=""/>
+        <p:cNvGrpSpPr/>
+        <p:nvPr/>
+      </p:nvGrpSpPr>
+      <p:grpSpPr>
+        <a:xfrm>
+          <a:off x="0" y="0"/>
+          <a:ext cx="0" cy="0"/>
+          <a:chOff x="0" y="0"/>
+          <a:chExt cx="0" cy="0"/>
+        </a:xfrm>
+      </p:grpSpPr>
+      <p:cxnSp>
+        <p:nvCxnSpPr>
+          <p:cNvPr id="15" name="Straight Connector 14">
+            <a:extLst>
+              <a:ext uri="{FF2B5EF4-FFF2-40B4-BE49-F238E27FC236}">
+                <a16:creationId xmlns:a16="http://schemas.microsoft.com/office/drawing/2014/main" id="{665064AF-6511-AC1E-15DF-A8FFEF06493F}"/>
+              </a:ext>
+            </a:extLst>
+          </p:cNvPr>
+          <p:cNvCxnSpPr/>
+          <p:nvPr/>
+        </p:nvCxnSpPr>
+        <p:spPr>
+          <a:xfrm>
+            <a:off x="3612997" y="3144252"/>
+            <a:ext cx="2647429" cy="0"/>
+          </a:xfrm>
+          <a:prstGeom prst="line">
+            <a:avLst/>
+          </a:prstGeom>
+          <a:ln>
+            <a:solidFill>
+              <a:schemeClr val="bg2">
+                <a:lumMod val="75000"/>
+              </a:schemeClr>
+            </a:solidFill>
+            <a:prstDash val="dash"/>
+          </a:ln>
+        </p:spPr>
+        <p:style>
+          <a:lnRef idx="2">
+            <a:schemeClr val="accent1"/>
+          </a:lnRef>
+          <a:fillRef idx="0">
+            <a:schemeClr val="accent1"/>
+          </a:fillRef>
+          <a:effectRef idx="1">
+            <a:schemeClr val="accent1"/>
+          </a:effectRef>
+          <a:fontRef idx="minor">
+            <a:schemeClr val="tx1"/>
+          </a:fontRef>
+        </p:style>
+      </p:cxnSp>
+      <p:cxnSp>
+        <p:nvCxnSpPr>
+          <p:cNvPr id="14" name="Straight Connector 13">
+            <a:extLst>
+              <a:ext uri="{FF2B5EF4-FFF2-40B4-BE49-F238E27FC236}">
+                <a16:creationId xmlns:a16="http://schemas.microsoft.com/office/drawing/2014/main" id="{BC262891-5299-5B19-CD1E-5085A0EC27ED}"/>
+              </a:ext>
+            </a:extLst>
+          </p:cNvPr>
+          <p:cNvCxnSpPr/>
+          <p:nvPr/>
+        </p:nvCxnSpPr>
+        <p:spPr>
+          <a:xfrm>
+            <a:off x="3617008" y="2342145"/>
+            <a:ext cx="2647429" cy="0"/>
+          </a:xfrm>
+          <a:prstGeom prst="line">
+            <a:avLst/>
+          </a:prstGeom>
+          <a:ln>
+            <a:solidFill>
+              <a:schemeClr val="bg2">
+                <a:lumMod val="75000"/>
+              </a:schemeClr>
+            </a:solidFill>
+            <a:prstDash val="dash"/>
+          </a:ln>
+        </p:spPr>
+        <p:style>
+          <a:lnRef idx="2">
+            <a:schemeClr val="accent1"/>
+          </a:lnRef>
+          <a:fillRef idx="0">
+            <a:schemeClr val="accent1"/>
+          </a:fillRef>
+          <a:effectRef idx="1">
+            <a:schemeClr val="accent1"/>
+          </a:effectRef>
+          <a:fontRef idx="minor">
+            <a:schemeClr val="tx1"/>
+          </a:fontRef>
+        </p:style>
+      </p:cxnSp>
+      <p:sp>
+        <p:nvSpPr>
+          <p:cNvPr id="4" name="Date Placeholder 3">
+            <a:extLst>
+              <a:ext uri="{FF2B5EF4-FFF2-40B4-BE49-F238E27FC236}">
+                <a16:creationId xmlns:a16="http://schemas.microsoft.com/office/drawing/2014/main" id="{97EEF786-6F66-A565-7676-FA15CC0F5B89}"/>
+              </a:ext>
+            </a:extLst>
+          </p:cNvPr>
+          <p:cNvSpPr>
+            <a:spLocks noGrp="1"/>
+          </p:cNvSpPr>
+          <p:nvPr>
+            <p:ph type="dt" sz="half" idx="10"/>
+          </p:nvPr>
+        </p:nvSpPr>
+        <p:spPr/>
+        <p:txBody>
+          <a:bodyPr/>
+          <a:lstStyle/>
+          <a:p>
+            <a:fld id="{579F6069-8263-4296-913A-BC2234E8D32B}" type="datetime1">
+              <a:rPr lang="en-US" smtClean="0"/>
+              <a:t>11/22/24</a:t>
+            </a:fld>
+            <a:endParaRPr lang="en-US"/>
+          </a:p>
+        </p:txBody>
+      </p:sp>
+      <p:sp>
+        <p:nvSpPr>
+          <p:cNvPr id="5" name="Footer Placeholder 4">
+            <a:extLst>
+              <a:ext uri="{FF2B5EF4-FFF2-40B4-BE49-F238E27FC236}">
+                <a16:creationId xmlns:a16="http://schemas.microsoft.com/office/drawing/2014/main" id="{34036731-2384-9347-9D33-167D6E3F1185}"/>
+              </a:ext>
+            </a:extLst>
+          </p:cNvPr>
+          <p:cNvSpPr>
+            <a:spLocks noGrp="1"/>
+          </p:cNvSpPr>
+          <p:nvPr>
+            <p:ph type="ftr" sz="quarter" idx="11"/>
+          </p:nvPr>
+        </p:nvSpPr>
+        <p:spPr/>
+        <p:txBody>
+          <a:bodyPr/>
+          <a:lstStyle/>
+          <a:p>
+            <a:r>
+              <a:rPr lang="en-US"/>
+              <a:t>Sample Footer Text</a:t>
+            </a:r>
+          </a:p>
+        </p:txBody>
+      </p:sp>
+      <p:sp>
+        <p:nvSpPr>
+          <p:cNvPr id="7" name="TextBox 6">
+            <a:extLst>
+              <a:ext uri="{FF2B5EF4-FFF2-40B4-BE49-F238E27FC236}">
+                <a16:creationId xmlns:a16="http://schemas.microsoft.com/office/drawing/2014/main" id="{9B069DB0-858D-A828-AEFF-A584D8C5F6AF}"/>
+              </a:ext>
+            </a:extLst>
+          </p:cNvPr>
+          <p:cNvSpPr txBox="1"/>
+          <p:nvPr/>
+        </p:nvSpPr>
+        <p:spPr>
+          <a:xfrm>
+            <a:off x="3513221" y="1944302"/>
+            <a:ext cx="3619099" cy="1754326"/>
+          </a:xfrm>
+          <a:prstGeom prst="rect">
+            <a:avLst/>
+          </a:prstGeom>
+          <a:noFill/>
+        </p:spPr>
+        <p:txBody>
+          <a:bodyPr wrap="square" rtlCol="0">
+            <a:spAutoFit/>
+          </a:bodyPr>
+          <a:lstStyle/>
+          <a:p>
+            <a:r>
+              <a:rPr lang="en-US" sz="5400" dirty="0">
+                <a:latin typeface="Times New Roman" panose="02020603050405020304" pitchFamily="18" charset="0"/>
+                <a:ea typeface="Verdana" panose="020B0604030504040204" pitchFamily="34" charset="0"/>
+                <a:cs typeface="Times New Roman" panose="02020603050405020304" pitchFamily="18" charset="0"/>
+              </a:rPr>
+              <a:t>My text example</a:t>
+            </a:r>
+          </a:p>
+        </p:txBody>
+      </p:sp>
+      <p:sp>
+        <p:nvSpPr>
+          <p:cNvPr id="6" name="Slide Number Placeholder 5">
+            <a:extLst>
+              <a:ext uri="{FF2B5EF4-FFF2-40B4-BE49-F238E27FC236}">
+                <a16:creationId xmlns:a16="http://schemas.microsoft.com/office/drawing/2014/main" id="{F8C73D76-844F-3C40-50B4-056AE99EEA9A}"/>
+              </a:ext>
+            </a:extLst>
+          </p:cNvPr>
+          <p:cNvSpPr>
+            <a:spLocks noGrp="1"/>
+          </p:cNvSpPr>
+          <p:nvPr>
+            <p:ph type="sldNum" sz="quarter" idx="12"/>
+          </p:nvPr>
+        </p:nvSpPr>
+        <p:spPr/>
+        <p:txBody>
+          <a:bodyPr/>
+          <a:lstStyle/>
+          <a:p>
+            <a:fld id="{C68AC1EC-23E2-4F0E-A5A4-674EC8DB954E}" type="slidenum">
+              <a:rPr lang="en-US" smtClean="0"/>
+              <a:t>8</a:t>
+            </a:fld>
+            <a:endParaRPr lang="en-US"/>
+          </a:p>
+        </p:txBody>
+      </p:sp>
+      <p:sp>
+        <p:nvSpPr>
+          <p:cNvPr id="8" name="Rectangle 7">
+            <a:extLst>
+              <a:ext uri="{FF2B5EF4-FFF2-40B4-BE49-F238E27FC236}">
+                <a16:creationId xmlns:a16="http://schemas.microsoft.com/office/drawing/2014/main" id="{00FF3D9D-F42D-4158-50B2-BD2E01F0FC82}"/>
+              </a:ext>
+            </a:extLst>
+          </p:cNvPr>
+          <p:cNvSpPr/>
+          <p:nvPr/>
+        </p:nvSpPr>
+        <p:spPr>
+          <a:xfrm>
+            <a:off x="3621024" y="2105526"/>
+            <a:ext cx="2647429" cy="697832"/>
+          </a:xfrm>
+          <a:prstGeom prst="rect">
+            <a:avLst/>
+          </a:prstGeom>
+          <a:noFill/>
+        </p:spPr>
+        <p:style>
+          <a:lnRef idx="2">
+            <a:schemeClr val="accent1">
+              <a:shade val="15000"/>
+            </a:schemeClr>
+          </a:lnRef>
+          <a:fillRef idx="1">
+            <a:schemeClr val="accent1"/>
+          </a:fillRef>
+          <a:effectRef idx="0">
+            <a:schemeClr val="accent1"/>
+          </a:effectRef>
+          <a:fontRef idx="minor">
+            <a:schemeClr val="lt1"/>
+          </a:fontRef>
+        </p:style>
+        <p:txBody>
+          <a:bodyPr rtlCol="0" anchor="ctr"/>
+          <a:lstStyle/>
+          <a:p>
+            <a:pPr algn="ctr"/>
+            <a:endParaRPr lang="en-US"/>
+          </a:p>
+        </p:txBody>
+      </p:sp>
+      <p:sp>
+        <p:nvSpPr>
+          <p:cNvPr id="9" name="Rectangle 8">
+            <a:extLst>
+              <a:ext uri="{FF2B5EF4-FFF2-40B4-BE49-F238E27FC236}">
+                <a16:creationId xmlns:a16="http://schemas.microsoft.com/office/drawing/2014/main" id="{9CE1EA67-BC73-92CB-5D3D-3CBCC3D958D7}"/>
+              </a:ext>
+            </a:extLst>
+          </p:cNvPr>
+          <p:cNvSpPr/>
+          <p:nvPr/>
+        </p:nvSpPr>
+        <p:spPr>
+          <a:xfrm>
+            <a:off x="3621024" y="2910098"/>
+            <a:ext cx="2647429" cy="697832"/>
+          </a:xfrm>
+          <a:prstGeom prst="rect">
+            <a:avLst/>
+          </a:prstGeom>
+          <a:noFill/>
+        </p:spPr>
+        <p:style>
+          <a:lnRef idx="2">
+            <a:schemeClr val="accent1">
+              <a:shade val="15000"/>
+            </a:schemeClr>
+          </a:lnRef>
+          <a:fillRef idx="1">
+            <a:schemeClr val="accent1"/>
+          </a:fillRef>
+          <a:effectRef idx="0">
+            <a:schemeClr val="accent1"/>
+          </a:effectRef>
+          <a:fontRef idx="minor">
+            <a:schemeClr val="lt1"/>
+          </a:fontRef>
+        </p:style>
+        <p:txBody>
+          <a:bodyPr rtlCol="0" anchor="ctr"/>
+          <a:lstStyle/>
+          <a:p>
+            <a:pPr algn="ctr"/>
+            <a:endParaRPr lang="en-US"/>
+          </a:p>
+        </p:txBody>
+      </p:sp>
+      <p:cxnSp>
+        <p:nvCxnSpPr>
+          <p:cNvPr id="12" name="Straight Connector 11">
+            <a:extLst>
+              <a:ext uri="{FF2B5EF4-FFF2-40B4-BE49-F238E27FC236}">
+                <a16:creationId xmlns:a16="http://schemas.microsoft.com/office/drawing/2014/main" id="{B97B35DE-592E-263F-A478-EF0B4A1065A6}"/>
+              </a:ext>
+            </a:extLst>
+          </p:cNvPr>
+          <p:cNvCxnSpPr/>
+          <p:nvPr/>
+        </p:nvCxnSpPr>
+        <p:spPr>
+          <a:xfrm>
+            <a:off x="3621024" y="2658979"/>
+            <a:ext cx="2647429" cy="0"/>
+          </a:xfrm>
+          <a:prstGeom prst="line">
+            <a:avLst/>
+          </a:prstGeom>
+          <a:ln>
+            <a:solidFill>
+              <a:schemeClr val="tx1"/>
+            </a:solidFill>
+            <a:prstDash val="dash"/>
+          </a:ln>
+        </p:spPr>
+        <p:style>
+          <a:lnRef idx="2">
+            <a:schemeClr val="accent1"/>
+          </a:lnRef>
+          <a:fillRef idx="0">
+            <a:schemeClr val="accent1"/>
+          </a:fillRef>
+          <a:effectRef idx="1">
+            <a:schemeClr val="accent1"/>
+          </a:effectRef>
+          <a:fontRef idx="minor">
+            <a:schemeClr val="tx1"/>
+          </a:fontRef>
+        </p:style>
+      </p:cxnSp>
+      <p:cxnSp>
+        <p:nvCxnSpPr>
+          <p:cNvPr id="13" name="Straight Connector 12">
+            <a:extLst>
+              <a:ext uri="{FF2B5EF4-FFF2-40B4-BE49-F238E27FC236}">
+                <a16:creationId xmlns:a16="http://schemas.microsoft.com/office/drawing/2014/main" id="{91D8CB24-6C76-4C21-3522-02C2DEC1415F}"/>
+              </a:ext>
+            </a:extLst>
+          </p:cNvPr>
+          <p:cNvCxnSpPr/>
+          <p:nvPr/>
+        </p:nvCxnSpPr>
+        <p:spPr>
+          <a:xfrm>
+            <a:off x="3629040" y="3473121"/>
+            <a:ext cx="2647429" cy="0"/>
+          </a:xfrm>
+          <a:prstGeom prst="line">
+            <a:avLst/>
+          </a:prstGeom>
+          <a:ln>
+            <a:solidFill>
+              <a:schemeClr val="tx1"/>
+            </a:solidFill>
+            <a:prstDash val="dash"/>
+          </a:ln>
+        </p:spPr>
+        <p:style>
+          <a:lnRef idx="2">
+            <a:schemeClr val="accent1"/>
+          </a:lnRef>
+          <a:fillRef idx="0">
+            <a:schemeClr val="accent1"/>
+          </a:fillRef>
+          <a:effectRef idx="1">
+            <a:schemeClr val="accent1"/>
+          </a:effectRef>
+          <a:fontRef idx="minor">
+            <a:schemeClr val="tx1"/>
+          </a:fontRef>
+        </p:style>
+      </p:cxnSp>
+      <p:sp>
+        <p:nvSpPr>
+          <p:cNvPr id="16" name="Right Brace 15">
+            <a:extLst>
+              <a:ext uri="{FF2B5EF4-FFF2-40B4-BE49-F238E27FC236}">
+                <a16:creationId xmlns:a16="http://schemas.microsoft.com/office/drawing/2014/main" id="{9A35BC94-EA41-43E8-8F8B-F80F1CFBEDF7}"/>
+              </a:ext>
+            </a:extLst>
+          </p:cNvPr>
+          <p:cNvSpPr/>
+          <p:nvPr/>
+        </p:nvSpPr>
+        <p:spPr>
+          <a:xfrm flipH="1">
+            <a:off x="3072057" y="2342144"/>
+            <a:ext cx="449177" cy="328869"/>
+          </a:xfrm>
+          <a:prstGeom prst="rightBrace">
+            <a:avLst/>
+          </a:prstGeom>
+          <a:ln>
+            <a:solidFill>
+              <a:schemeClr val="tx1">
+                <a:lumMod val="65000"/>
+                <a:lumOff val="35000"/>
+              </a:schemeClr>
+            </a:solidFill>
+          </a:ln>
+        </p:spPr>
+        <p:style>
+          <a:lnRef idx="1">
+            <a:schemeClr val="accent2"/>
+          </a:lnRef>
+          <a:fillRef idx="0">
+            <a:schemeClr val="accent2"/>
+          </a:fillRef>
+          <a:effectRef idx="0">
+            <a:schemeClr val="accent2"/>
+          </a:effectRef>
+          <a:fontRef idx="minor">
+            <a:schemeClr val="tx1"/>
+          </a:fontRef>
+        </p:style>
+        <p:txBody>
+          <a:bodyPr rtlCol="0" anchor="ctr"/>
+          <a:lstStyle/>
+          <a:p>
+            <a:pPr algn="ctr"/>
+            <a:endParaRPr lang="en-US"/>
+          </a:p>
+        </p:txBody>
+      </p:sp>
+      <p:sp>
+        <p:nvSpPr>
+          <p:cNvPr id="17" name="Right Brace 16">
+            <a:extLst>
+              <a:ext uri="{FF2B5EF4-FFF2-40B4-BE49-F238E27FC236}">
+                <a16:creationId xmlns:a16="http://schemas.microsoft.com/office/drawing/2014/main" id="{D1C41A03-1779-CEDC-1379-DE4C072F72BF}"/>
+              </a:ext>
+            </a:extLst>
+          </p:cNvPr>
+          <p:cNvSpPr/>
+          <p:nvPr/>
+        </p:nvSpPr>
+        <p:spPr>
+          <a:xfrm>
+            <a:off x="6328613" y="2105527"/>
+            <a:ext cx="572396" cy="697776"/>
+          </a:xfrm>
+          <a:prstGeom prst="rightBrace">
+            <a:avLst>
+              <a:gd name="adj1" fmla="val 5391"/>
+              <a:gd name="adj2" fmla="val 50000"/>
+            </a:avLst>
+          </a:prstGeom>
+          <a:ln>
+            <a:solidFill>
+              <a:schemeClr val="tx1">
+                <a:lumMod val="65000"/>
+                <a:lumOff val="35000"/>
+              </a:schemeClr>
+            </a:solidFill>
+          </a:ln>
+        </p:spPr>
+        <p:style>
+          <a:lnRef idx="1">
+            <a:schemeClr val="accent2"/>
+          </a:lnRef>
+          <a:fillRef idx="0">
+            <a:schemeClr val="accent2"/>
+          </a:fillRef>
+          <a:effectRef idx="0">
+            <a:schemeClr val="accent2"/>
+          </a:effectRef>
+          <a:fontRef idx="minor">
+            <a:schemeClr val="tx1"/>
+          </a:fontRef>
+        </p:style>
+        <p:txBody>
+          <a:bodyPr rtlCol="0" anchor="ctr"/>
+          <a:lstStyle/>
+          <a:p>
+            <a:pPr algn="ctr"/>
+            <a:endParaRPr lang="en-US"/>
+          </a:p>
+        </p:txBody>
+      </p:sp>
+      <p:sp>
+        <p:nvSpPr>
+          <p:cNvPr id="18" name="Right Brace 17">
+            <a:extLst>
+              <a:ext uri="{FF2B5EF4-FFF2-40B4-BE49-F238E27FC236}">
+                <a16:creationId xmlns:a16="http://schemas.microsoft.com/office/drawing/2014/main" id="{DDF515D8-3E8B-1AED-36DC-55FBF15241B0}"/>
+              </a:ext>
+            </a:extLst>
+          </p:cNvPr>
+          <p:cNvSpPr/>
+          <p:nvPr/>
+        </p:nvSpPr>
+        <p:spPr>
+          <a:xfrm>
+            <a:off x="6333730" y="3473120"/>
+            <a:ext cx="572396" cy="134771"/>
+          </a:xfrm>
+          <a:prstGeom prst="rightBrace">
+            <a:avLst>
+              <a:gd name="adj1" fmla="val 5391"/>
+              <a:gd name="adj2" fmla="val 50000"/>
+            </a:avLst>
+          </a:prstGeom>
+          <a:ln>
+            <a:solidFill>
+              <a:schemeClr val="tx1">
+                <a:lumMod val="65000"/>
+                <a:lumOff val="35000"/>
+              </a:schemeClr>
+            </a:solidFill>
+          </a:ln>
+        </p:spPr>
+        <p:style>
+          <a:lnRef idx="1">
+            <a:schemeClr val="accent2"/>
+          </a:lnRef>
+          <a:fillRef idx="0">
+            <a:schemeClr val="accent2"/>
+          </a:fillRef>
+          <a:effectRef idx="0">
+            <a:schemeClr val="accent2"/>
+          </a:effectRef>
+          <a:fontRef idx="minor">
+            <a:schemeClr val="tx1"/>
+          </a:fontRef>
+        </p:style>
+        <p:txBody>
+          <a:bodyPr rtlCol="0" anchor="ctr"/>
+          <a:lstStyle/>
+          <a:p>
+            <a:pPr algn="ctr"/>
+            <a:endParaRPr lang="en-US"/>
+          </a:p>
+        </p:txBody>
+      </p:sp>
+      <p:sp>
+        <p:nvSpPr>
+          <p:cNvPr id="19" name="Right Brace 18">
+            <a:extLst>
+              <a:ext uri="{FF2B5EF4-FFF2-40B4-BE49-F238E27FC236}">
+                <a16:creationId xmlns:a16="http://schemas.microsoft.com/office/drawing/2014/main" id="{2B07AD82-123B-6880-5D9C-44813CE54A1B}"/>
+              </a:ext>
+            </a:extLst>
+          </p:cNvPr>
+          <p:cNvSpPr/>
+          <p:nvPr/>
+        </p:nvSpPr>
+        <p:spPr>
+          <a:xfrm flipH="1">
+            <a:off x="3028809" y="2910098"/>
+            <a:ext cx="484412" cy="630262"/>
+          </a:xfrm>
+          <a:prstGeom prst="rightBrace">
+            <a:avLst>
+              <a:gd name="adj1" fmla="val 5391"/>
+              <a:gd name="adj2" fmla="val 52137"/>
+            </a:avLst>
+          </a:prstGeom>
+          <a:ln>
+            <a:solidFill>
+              <a:schemeClr val="tx1">
+                <a:lumMod val="65000"/>
+                <a:lumOff val="35000"/>
+              </a:schemeClr>
+            </a:solidFill>
+          </a:ln>
+        </p:spPr>
+        <p:style>
+          <a:lnRef idx="1">
+            <a:schemeClr val="accent2"/>
+          </a:lnRef>
+          <a:fillRef idx="0">
+            <a:schemeClr val="accent2"/>
+          </a:fillRef>
+          <a:effectRef idx="0">
+            <a:schemeClr val="accent2"/>
+          </a:effectRef>
+          <a:fontRef idx="minor">
+            <a:schemeClr val="tx1"/>
+          </a:fontRef>
+        </p:style>
+        <p:txBody>
+          <a:bodyPr rtlCol="0" anchor="ctr"/>
+          <a:lstStyle/>
+          <a:p>
+            <a:pPr algn="ctr"/>
+            <a:endParaRPr lang="en-US"/>
+          </a:p>
+        </p:txBody>
+      </p:sp>
+      <p:sp>
+        <p:nvSpPr>
+          <p:cNvPr id="20" name="TextBox 19">
+            <a:extLst>
+              <a:ext uri="{FF2B5EF4-FFF2-40B4-BE49-F238E27FC236}">
+                <a16:creationId xmlns:a16="http://schemas.microsoft.com/office/drawing/2014/main" id="{09C1E317-8B91-D1C5-0601-C363F709D93E}"/>
+              </a:ext>
+            </a:extLst>
+          </p:cNvPr>
+          <p:cNvSpPr txBox="1"/>
+          <p:nvPr/>
+        </p:nvSpPr>
+        <p:spPr>
+          <a:xfrm>
+            <a:off x="6901009" y="2262504"/>
+            <a:ext cx="1217000" cy="369332"/>
+          </a:xfrm>
+          <a:prstGeom prst="rect">
+            <a:avLst/>
+          </a:prstGeom>
+          <a:noFill/>
+        </p:spPr>
+        <p:txBody>
+          <a:bodyPr wrap="none" rtlCol="0">
+            <a:spAutoFit/>
+          </a:bodyPr>
+          <a:lstStyle/>
+          <a:p>
+            <a:r>
+              <a:rPr lang="en-US" dirty="0"/>
+              <a:t>cell height</a:t>
+            </a:r>
+          </a:p>
+        </p:txBody>
+      </p:sp>
+      <p:sp>
+        <p:nvSpPr>
+          <p:cNvPr id="21" name="TextBox 20">
+            <a:extLst>
+              <a:ext uri="{FF2B5EF4-FFF2-40B4-BE49-F238E27FC236}">
+                <a16:creationId xmlns:a16="http://schemas.microsoft.com/office/drawing/2014/main" id="{619ACAB9-E9D9-A61A-B506-9556A88B68E5}"/>
+              </a:ext>
+            </a:extLst>
+          </p:cNvPr>
+          <p:cNvSpPr txBox="1"/>
+          <p:nvPr/>
+        </p:nvSpPr>
+        <p:spPr>
+          <a:xfrm>
+            <a:off x="6901009" y="3355694"/>
+            <a:ext cx="1651414" cy="369332"/>
+          </a:xfrm>
+          <a:prstGeom prst="rect">
+            <a:avLst/>
+          </a:prstGeom>
+          <a:noFill/>
+        </p:spPr>
+        <p:txBody>
+          <a:bodyPr wrap="none" rtlCol="0">
+            <a:spAutoFit/>
+          </a:bodyPr>
+          <a:lstStyle/>
+          <a:p>
+            <a:r>
+              <a:rPr lang="en-US" dirty="0"/>
+              <a:t>baseline height</a:t>
+            </a:r>
+          </a:p>
+        </p:txBody>
+      </p:sp>
+      <p:sp>
+        <p:nvSpPr>
+          <p:cNvPr id="22" name="TextBox 21">
+            <a:extLst>
+              <a:ext uri="{FF2B5EF4-FFF2-40B4-BE49-F238E27FC236}">
+                <a16:creationId xmlns:a16="http://schemas.microsoft.com/office/drawing/2014/main" id="{5F650A01-6352-F206-235E-D000A7A7D48C}"/>
+              </a:ext>
+            </a:extLst>
+          </p:cNvPr>
+          <p:cNvSpPr txBox="1"/>
+          <p:nvPr/>
+        </p:nvSpPr>
+        <p:spPr>
+          <a:xfrm>
+            <a:off x="2226006" y="2902063"/>
+            <a:ext cx="780983" cy="646331"/>
+          </a:xfrm>
+          <a:prstGeom prst="rect">
+            <a:avLst/>
+          </a:prstGeom>
+          <a:noFill/>
+        </p:spPr>
+        <p:txBody>
+          <a:bodyPr wrap="none" rtlCol="0">
+            <a:spAutoFit/>
+          </a:bodyPr>
+          <a:lstStyle/>
+          <a:p>
+            <a:r>
+              <a:rPr lang="en-US" dirty="0">
+                <a:latin typeface="Consolas" panose="020B0609020204030204" pitchFamily="49" charset="0"/>
+                <a:cs typeface="Consolas" panose="020B0609020204030204" pitchFamily="49" charset="0"/>
+              </a:rPr>
+              <a:t>em</a:t>
+            </a:r>
+            <a:r>
+              <a:rPr lang="en-US" dirty="0"/>
+              <a:t> </a:t>
+            </a:r>
+          </a:p>
+          <a:p>
+            <a:r>
+              <a:rPr lang="en-US" dirty="0"/>
+              <a:t>height</a:t>
+            </a:r>
+          </a:p>
+        </p:txBody>
+      </p:sp>
+      <p:sp>
+        <p:nvSpPr>
+          <p:cNvPr id="23" name="TextBox 22">
+            <a:extLst>
+              <a:ext uri="{FF2B5EF4-FFF2-40B4-BE49-F238E27FC236}">
+                <a16:creationId xmlns:a16="http://schemas.microsoft.com/office/drawing/2014/main" id="{51810C43-B848-5EFD-7CC2-6DF4B8A62B7A}"/>
+              </a:ext>
+            </a:extLst>
+          </p:cNvPr>
+          <p:cNvSpPr txBox="1"/>
+          <p:nvPr/>
+        </p:nvSpPr>
+        <p:spPr>
+          <a:xfrm>
+            <a:off x="2247826" y="2183412"/>
+            <a:ext cx="780983" cy="646331"/>
+          </a:xfrm>
+          <a:prstGeom prst="rect">
+            <a:avLst/>
+          </a:prstGeom>
+          <a:noFill/>
+        </p:spPr>
+        <p:txBody>
+          <a:bodyPr wrap="none" rtlCol="0">
+            <a:spAutoFit/>
+          </a:bodyPr>
+          <a:lstStyle/>
+          <a:p>
+            <a:r>
+              <a:rPr lang="en-US" dirty="0">
+                <a:latin typeface="Consolas" panose="020B0609020204030204" pitchFamily="49" charset="0"/>
+                <a:cs typeface="Consolas" panose="020B0609020204030204" pitchFamily="49" charset="0"/>
+              </a:rPr>
+              <a:t>ex</a:t>
+            </a:r>
+            <a:r>
+              <a:rPr lang="en-US" dirty="0"/>
+              <a:t> </a:t>
+            </a:r>
+          </a:p>
+          <a:p>
+            <a:r>
+              <a:rPr lang="en-US" dirty="0"/>
+              <a:t>height</a:t>
+            </a:r>
+          </a:p>
+        </p:txBody>
+      </p:sp>
+      <p:cxnSp>
+        <p:nvCxnSpPr>
+          <p:cNvPr id="25" name="Straight Arrow Connector 24">
+            <a:extLst>
+              <a:ext uri="{FF2B5EF4-FFF2-40B4-BE49-F238E27FC236}">
+                <a16:creationId xmlns:a16="http://schemas.microsoft.com/office/drawing/2014/main" id="{4D84A5EA-7392-DF4C-D865-473532FC2DAD}"/>
+              </a:ext>
+            </a:extLst>
+          </p:cNvPr>
+          <p:cNvCxnSpPr/>
+          <p:nvPr/>
+        </p:nvCxnSpPr>
+        <p:spPr>
+          <a:xfrm flipV="1">
+            <a:off x="3753853" y="3607891"/>
+            <a:ext cx="0" cy="699414"/>
+          </a:xfrm>
+          <a:prstGeom prst="straightConnector1">
+            <a:avLst/>
+          </a:prstGeom>
+          <a:ln>
+            <a:solidFill>
+              <a:schemeClr val="tx1">
+                <a:lumMod val="65000"/>
+                <a:lumOff val="35000"/>
+              </a:schemeClr>
+            </a:solidFill>
+            <a:tailEnd type="triangle"/>
+          </a:ln>
+        </p:spPr>
+        <p:style>
+          <a:lnRef idx="2">
+            <a:schemeClr val="accent1"/>
+          </a:lnRef>
+          <a:fillRef idx="0">
+            <a:schemeClr val="accent1"/>
+          </a:fillRef>
+          <a:effectRef idx="1">
+            <a:schemeClr val="accent1"/>
+          </a:effectRef>
+          <a:fontRef idx="minor">
+            <a:schemeClr val="tx1"/>
+          </a:fontRef>
+        </p:style>
+      </p:cxnSp>
+      <p:cxnSp>
+        <p:nvCxnSpPr>
+          <p:cNvPr id="26" name="Straight Arrow Connector 25">
+            <a:extLst>
+              <a:ext uri="{FF2B5EF4-FFF2-40B4-BE49-F238E27FC236}">
+                <a16:creationId xmlns:a16="http://schemas.microsoft.com/office/drawing/2014/main" id="{E0C1E333-2D9C-667D-C09E-52814F8EF4C5}"/>
+              </a:ext>
+            </a:extLst>
+          </p:cNvPr>
+          <p:cNvCxnSpPr>
+            <a:cxnSpLocks/>
+          </p:cNvCxnSpPr>
+          <p:nvPr/>
+        </p:nvCxnSpPr>
+        <p:spPr>
+          <a:xfrm flipV="1">
+            <a:off x="6096000" y="3473120"/>
+            <a:ext cx="0" cy="930438"/>
+          </a:xfrm>
+          <a:prstGeom prst="straightConnector1">
+            <a:avLst/>
+          </a:prstGeom>
+          <a:ln>
+            <a:solidFill>
+              <a:schemeClr val="tx1">
+                <a:lumMod val="65000"/>
+                <a:lumOff val="35000"/>
+              </a:schemeClr>
+            </a:solidFill>
+            <a:tailEnd type="triangle"/>
+          </a:ln>
+        </p:spPr>
+        <p:style>
+          <a:lnRef idx="2">
+            <a:schemeClr val="accent1"/>
+          </a:lnRef>
+          <a:fillRef idx="0">
+            <a:schemeClr val="accent1"/>
+          </a:fillRef>
+          <a:effectRef idx="1">
+            <a:schemeClr val="accent1"/>
+          </a:effectRef>
+          <a:fontRef idx="minor">
+            <a:schemeClr val="tx1"/>
+          </a:fontRef>
+        </p:style>
+      </p:cxnSp>
+      <p:sp>
+        <p:nvSpPr>
+          <p:cNvPr id="28" name="TextBox 27">
+            <a:extLst>
+              <a:ext uri="{FF2B5EF4-FFF2-40B4-BE49-F238E27FC236}">
+                <a16:creationId xmlns:a16="http://schemas.microsoft.com/office/drawing/2014/main" id="{D5D2E883-F536-3426-AA5D-EE26F6255937}"/>
+              </a:ext>
+            </a:extLst>
+          </p:cNvPr>
+          <p:cNvSpPr txBox="1"/>
+          <p:nvPr/>
+        </p:nvSpPr>
+        <p:spPr>
+          <a:xfrm>
+            <a:off x="5591695" y="4380349"/>
+            <a:ext cx="1008609" cy="369332"/>
+          </a:xfrm>
+          <a:prstGeom prst="rect">
+            <a:avLst/>
+          </a:prstGeom>
+          <a:noFill/>
+        </p:spPr>
+        <p:txBody>
+          <a:bodyPr wrap="none" rtlCol="0">
+            <a:spAutoFit/>
+          </a:bodyPr>
+          <a:lstStyle/>
+          <a:p>
+            <a:r>
+              <a:rPr lang="en-US" dirty="0"/>
+              <a:t>baseline</a:t>
+            </a:r>
+          </a:p>
+        </p:txBody>
+      </p:sp>
+      <p:sp>
+        <p:nvSpPr>
+          <p:cNvPr id="30" name="TextBox 29">
+            <a:extLst>
+              <a:ext uri="{FF2B5EF4-FFF2-40B4-BE49-F238E27FC236}">
+                <a16:creationId xmlns:a16="http://schemas.microsoft.com/office/drawing/2014/main" id="{81A90952-E2C1-C49A-663E-F065A28A7D44}"/>
+              </a:ext>
+            </a:extLst>
+          </p:cNvPr>
+          <p:cNvSpPr txBox="1"/>
+          <p:nvPr/>
+        </p:nvSpPr>
+        <p:spPr>
+          <a:xfrm>
+            <a:off x="3271015" y="4380349"/>
+            <a:ext cx="1329659" cy="369332"/>
+          </a:xfrm>
+          <a:prstGeom prst="rect">
+            <a:avLst/>
+          </a:prstGeom>
+          <a:noFill/>
+        </p:spPr>
+        <p:txBody>
+          <a:bodyPr wrap="none" rtlCol="0">
+            <a:spAutoFit/>
+          </a:bodyPr>
+          <a:lstStyle/>
+          <a:p>
+            <a:r>
+              <a:rPr lang="en-US" dirty="0"/>
+              <a:t>cell bottom</a:t>
+            </a:r>
+          </a:p>
+        </p:txBody>
+      </p:sp>
+    </p:spTree>
+    <p:extLst>
+      <p:ext uri="{BB962C8B-B14F-4D97-AF65-F5344CB8AC3E}">
+        <p14:creationId xmlns:p14="http://schemas.microsoft.com/office/powerpoint/2010/main" val="85300388"/>
       </p:ext>
     </p:extLst>
   </p:cSld>
